--- a/Testes - Semana de qualidade.pptx
+++ b/Testes - Semana de qualidade.pptx
@@ -12253,6 +12253,13 @@
   <p:clrMapOvr>
     <a:masterClrMapping/>
   </p:clrMapOvr>
+  <p:timing>
+    <p:tnLst>
+      <p:par>
+        <p:cTn id="1" dur="indefinite" restart="never" nodeType="tmRoot"/>
+      </p:par>
+    </p:tnLst>
+  </p:timing>
 </p:sld>
 </file>
 
@@ -12720,7 +12727,7 @@
           <p:cNvPr id="2" name="Google Shape;285;p32">
             <a:extLst>
               <a:ext uri="{FF2B5EF4-FFF2-40B4-BE49-F238E27FC236}">
-                <a16:creationId xmlns:a16="http://schemas.microsoft.com/office/drawing/2014/main" xmlns="" id="{F4EBB00D-9EB7-44EF-725D-102C98FAC7EF}"/>
+                <a16:creationId xmlns="" xmlns:a16="http://schemas.microsoft.com/office/drawing/2014/main" id="{F4EBB00D-9EB7-44EF-725D-102C98FAC7EF}"/>
               </a:ext>
             </a:extLst>
           </p:cNvPr>
@@ -13035,6 +13042,13 @@
   <p:clrMapOvr>
     <a:masterClrMapping/>
   </p:clrMapOvr>
+  <p:timing>
+    <p:tnLst>
+      <p:par>
+        <p:cTn id="1" dur="indefinite" restart="never" nodeType="tmRoot"/>
+      </p:par>
+    </p:tnLst>
+  </p:timing>
 </p:sld>
 </file>
 
@@ -13502,7 +13516,7 @@
           <p:cNvPr id="2" name="Google Shape;285;p32">
             <a:extLst>
               <a:ext uri="{FF2B5EF4-FFF2-40B4-BE49-F238E27FC236}">
-                <a16:creationId xmlns:a16="http://schemas.microsoft.com/office/drawing/2014/main" xmlns="" id="{F4EBB00D-9EB7-44EF-725D-102C98FAC7EF}"/>
+                <a16:creationId xmlns="" xmlns:a16="http://schemas.microsoft.com/office/drawing/2014/main" id="{F4EBB00D-9EB7-44EF-725D-102C98FAC7EF}"/>
               </a:ext>
             </a:extLst>
           </p:cNvPr>
@@ -13829,6 +13843,13 @@
   <p:clrMapOvr>
     <a:masterClrMapping/>
   </p:clrMapOvr>
+  <p:timing>
+    <p:tnLst>
+      <p:par>
+        <p:cTn id="1" dur="indefinite" restart="never" nodeType="tmRoot"/>
+      </p:par>
+    </p:tnLst>
+  </p:timing>
 </p:sld>
 </file>
 
@@ -14296,7 +14317,7 @@
           <p:cNvPr id="2" name="Google Shape;285;p32">
             <a:extLst>
               <a:ext uri="{FF2B5EF4-FFF2-40B4-BE49-F238E27FC236}">
-                <a16:creationId xmlns:a16="http://schemas.microsoft.com/office/drawing/2014/main" xmlns="" id="{F4EBB00D-9EB7-44EF-725D-102C98FAC7EF}"/>
+                <a16:creationId xmlns="" xmlns:a16="http://schemas.microsoft.com/office/drawing/2014/main" id="{F4EBB00D-9EB7-44EF-725D-102C98FAC7EF}"/>
               </a:ext>
             </a:extLst>
           </p:cNvPr>
@@ -14611,6 +14632,13 @@
   <p:clrMapOvr>
     <a:masterClrMapping/>
   </p:clrMapOvr>
+  <p:timing>
+    <p:tnLst>
+      <p:par>
+        <p:cTn id="1" dur="indefinite" restart="never" nodeType="tmRoot"/>
+      </p:par>
+    </p:tnLst>
+  </p:timing>
 </p:sld>
 </file>
 
@@ -15078,7 +15106,7 @@
           <p:cNvPr id="2" name="Google Shape;285;p32">
             <a:extLst>
               <a:ext uri="{FF2B5EF4-FFF2-40B4-BE49-F238E27FC236}">
-                <a16:creationId xmlns:a16="http://schemas.microsoft.com/office/drawing/2014/main" xmlns="" id="{F4EBB00D-9EB7-44EF-725D-102C98FAC7EF}"/>
+                <a16:creationId xmlns="" xmlns:a16="http://schemas.microsoft.com/office/drawing/2014/main" id="{F4EBB00D-9EB7-44EF-725D-102C98FAC7EF}"/>
               </a:ext>
             </a:extLst>
           </p:cNvPr>
@@ -15388,7 +15416,7 @@
           <p:cNvPr id="3" name="Google Shape;285;p32">
             <a:extLst>
               <a:ext uri="{FF2B5EF4-FFF2-40B4-BE49-F238E27FC236}">
-                <a16:creationId xmlns:a16="http://schemas.microsoft.com/office/drawing/2014/main" xmlns="" id="{FCFAD74F-C434-3A06-E9EE-DDA42FB65283}"/>
+                <a16:creationId xmlns="" xmlns:a16="http://schemas.microsoft.com/office/drawing/2014/main" id="{FCFAD74F-C434-3A06-E9EE-DDA42FB65283}"/>
               </a:ext>
             </a:extLst>
           </p:cNvPr>
@@ -16515,11 +16543,7 @@
             </a:r>
             <a:r>
               <a:rPr lang="en" dirty="0"/>
-              <a:t>Exemplos </a:t>
-            </a:r>
-            <a:r>
-              <a:rPr lang="en" dirty="0"/>
-              <a:t>– </a:t>
+              <a:t>Exemplos – </a:t>
             </a:r>
             <a:r>
               <a:rPr lang="en" dirty="0" smtClean="0"/>
@@ -22546,7 +22570,7 @@
           <p:cNvPr id="3" name="CaixaDeTexto 2">
             <a:extLst>
               <a:ext uri="{FF2B5EF4-FFF2-40B4-BE49-F238E27FC236}">
-                <a16:creationId xmlns:a16="http://schemas.microsoft.com/office/drawing/2014/main" xmlns="" id="{309B08B6-9145-B3D6-2411-56E137E90BFF}"/>
+                <a16:creationId xmlns="" xmlns:a16="http://schemas.microsoft.com/office/drawing/2014/main" id="{309B08B6-9145-B3D6-2411-56E137E90BFF}"/>
               </a:ext>
             </a:extLst>
           </p:cNvPr>
@@ -22756,27 +22780,37 @@
           </a:p>
           <a:p>
             <a:r>
-              <a:rPr lang="en" dirty="0">
+              <a:rPr lang="en">
                 <a:solidFill>
                   <a:schemeClr val="accent2"/>
                 </a:solidFill>
                 <a:latin typeface="+mj-lt"/>
                 <a:sym typeface="Quantico"/>
               </a:rPr>
-              <a:t>@Before</a:t>
-            </a:r>
-            <a:r>
-              <a:rPr lang="en" dirty="0">
-                <a:solidFill>
-                  <a:schemeClr val="tx1"/>
+              <a:t>@</a:t>
+            </a:r>
+            <a:r>
+              <a:rPr lang="en" smtClean="0">
+                <a:solidFill>
+                  <a:schemeClr val="accent2"/>
                 </a:solidFill>
                 <a:latin typeface="+mj-lt"/>
                 <a:sym typeface="Quantico"/>
               </a:rPr>
-              <a:t>/</a:t>
-            </a:r>
-            <a:r>
-              <a:rPr lang="en" dirty="0">
+              <a:t>Before </a:t>
+            </a:r>
+            <a:r>
+              <a:rPr lang="en" smtClean="0">
+                <a:solidFill>
+                  <a:schemeClr val="tx1"/>
+                </a:solidFill>
+                <a:latin typeface="+mj-lt"/>
+                <a:sym typeface="Quantico"/>
+              </a:rPr>
+              <a:t>/ </a:t>
+            </a:r>
+            <a:r>
+              <a:rPr lang="en" smtClean="0">
                 <a:solidFill>
                   <a:schemeClr val="accent2"/>
                 </a:solidFill>
@@ -22824,6 +22858,13 @@
   <p:clrMapOvr>
     <a:masterClrMapping/>
   </p:clrMapOvr>
+  <p:timing>
+    <p:tnLst>
+      <p:par>
+        <p:cTn id="1" dur="indefinite" restart="never" nodeType="tmRoot"/>
+      </p:par>
+    </p:tnLst>
+  </p:timing>
 </p:sld>
 </file>
 
@@ -23312,6 +23353,13 @@
   <p:clrMapOvr>
     <a:masterClrMapping/>
   </p:clrMapOvr>
+  <p:timing>
+    <p:tnLst>
+      <p:par>
+        <p:cTn id="1" dur="indefinite" restart="never" nodeType="tmRoot"/>
+      </p:par>
+    </p:tnLst>
+  </p:timing>
 </p:sld>
 </file>
 
@@ -23554,6 +23602,13 @@
   <p:clrMapOvr>
     <a:masterClrMapping/>
   </p:clrMapOvr>
+  <p:timing>
+    <p:tnLst>
+      <p:par>
+        <p:cTn id="1" dur="indefinite" restart="never" nodeType="tmRoot"/>
+      </p:par>
+    </p:tnLst>
+  </p:timing>
 </p:sld>
 </file>
 
@@ -25361,6 +25416,13 @@
   <p:clrMapOvr>
     <a:masterClrMapping/>
   </p:clrMapOvr>
+  <p:timing>
+    <p:tnLst>
+      <p:par>
+        <p:cTn id="1" dur="indefinite" restart="never" nodeType="tmRoot"/>
+      </p:par>
+    </p:tnLst>
+  </p:timing>
 </p:sld>
 </file>
 
@@ -25865,7 +25927,7 @@
           <p:cNvPr id="2" name="CaixaDeTexto 1">
             <a:extLst>
               <a:ext uri="{FF2B5EF4-FFF2-40B4-BE49-F238E27FC236}">
-                <a16:creationId xmlns:a16="http://schemas.microsoft.com/office/drawing/2014/main" xmlns="" id="{CDE52CDB-4CC3-FB46-3674-3437E0750BF4}"/>
+                <a16:creationId xmlns="" xmlns:a16="http://schemas.microsoft.com/office/drawing/2014/main" id="{CDE52CDB-4CC3-FB46-3674-3437E0750BF4}"/>
               </a:ext>
             </a:extLst>
           </p:cNvPr>
@@ -25934,31 +25996,7 @@
                 <a:cs typeface="Quantico"/>
                 <a:sym typeface="Quantico"/>
               </a:rPr>
-              <a:t>“https</a:t>
-            </a:r>
-            <a:r>
-              <a:rPr lang="pt-BR" dirty="0" smtClean="0">
-                <a:solidFill>
-                  <a:schemeClr val="tx2"/>
-                </a:solidFill>
-                <a:latin typeface="+mj-lt"/>
-                <a:ea typeface="Quantico"/>
-                <a:cs typeface="Quantico"/>
-                <a:sym typeface="Quantico"/>
-              </a:rPr>
-              <a:t>://santocodigo.com.br</a:t>
-            </a:r>
-            <a:r>
-              <a:rPr lang="pt-BR" dirty="0" smtClean="0">
-                <a:solidFill>
-                  <a:schemeClr val="tx2"/>
-                </a:solidFill>
-                <a:latin typeface="+mj-lt"/>
-                <a:ea typeface="Quantico"/>
-                <a:cs typeface="Quantico"/>
-                <a:sym typeface="Quantico"/>
-              </a:rPr>
-              <a:t>”</a:t>
+              <a:t>“https://santocodigo.com.br”</a:t>
             </a:r>
             <a:r>
               <a:rPr lang="pt-BR" dirty="0" smtClean="0">
@@ -31581,6 +31619,13 @@
   <p:clrMapOvr>
     <a:masterClrMapping/>
   </p:clrMapOvr>
+  <p:timing>
+    <p:tnLst>
+      <p:par>
+        <p:cTn id="1" dur="indefinite" restart="never" nodeType="tmRoot"/>
+      </p:par>
+    </p:tnLst>
+  </p:timing>
 </p:sld>
 </file>
 
@@ -32139,6 +32184,13 @@
   <p:clrMapOvr>
     <a:masterClrMapping/>
   </p:clrMapOvr>
+  <p:timing>
+    <p:tnLst>
+      <p:par>
+        <p:cTn id="1" dur="indefinite" restart="never" nodeType="tmRoot"/>
+      </p:par>
+    </p:tnLst>
+  </p:timing>
 </p:sld>
 </file>
 
@@ -32543,6 +32595,13 @@
   <p:clrMapOvr>
     <a:masterClrMapping/>
   </p:clrMapOvr>
+  <p:timing>
+    <p:tnLst>
+      <p:par>
+        <p:cTn id="1" dur="indefinite" restart="never" nodeType="tmRoot"/>
+      </p:par>
+    </p:tnLst>
+  </p:timing>
 </p:sld>
 </file>
 
@@ -32947,6 +33006,13 @@
   <p:clrMapOvr>
     <a:masterClrMapping/>
   </p:clrMapOvr>
+  <p:timing>
+    <p:tnLst>
+      <p:par>
+        <p:cTn id="1" dur="indefinite" restart="never" nodeType="tmRoot"/>
+      </p:par>
+    </p:tnLst>
+  </p:timing>
 </p:sld>
 </file>
 
@@ -33036,7 +33102,7 @@
         <p:spPr>
           <a:xfrm>
             <a:off x="719987" y="2359379"/>
-            <a:ext cx="7704001" cy="665176"/>
+            <a:ext cx="7763995" cy="665176"/>
           </a:xfrm>
           <a:prstGeom prst="rect">
             <a:avLst/>
@@ -33066,7 +33132,11 @@
             </a:br>
             <a:r>
               <a:rPr lang="en" dirty="0"/>
-              <a:t>   mesmo que o projeto/classe não tenha nenhum teste.</a:t>
+              <a:t>   mesmo </a:t>
+            </a:r>
+            <a:r>
+              <a:rPr lang="en" dirty="0" smtClean="0"/>
+              <a:t>que não exista nenhum teste no projeto/classe.</a:t>
             </a:r>
             <a:endParaRPr dirty="0"/>
           </a:p>
@@ -33468,6 +33538,13 @@
   <p:clrMapOvr>
     <a:masterClrMapping/>
   </p:clrMapOvr>
+  <p:timing>
+    <p:tnLst>
+      <p:par>
+        <p:cTn id="1" dur="indefinite" restart="never" nodeType="tmRoot"/>
+      </p:par>
+    </p:tnLst>
+  </p:timing>
 </p:sld>
 </file>
 
@@ -33526,20 +33603,28 @@
               <a:t>* </a:t>
             </a:r>
             <a:r>
+              <a:rPr lang="pt-BR" sz="2200" dirty="0" smtClean="0">
+                <a:latin typeface="Quantico"/>
+                <a:ea typeface="Quantico"/>
+                <a:cs typeface="Quantico"/>
+              </a:rPr>
+              <a:t>Crie Test </a:t>
+            </a:r>
+            <a:r>
               <a:rPr lang="pt-BR" sz="2200" dirty="0">
                 <a:latin typeface="Quantico"/>
                 <a:ea typeface="Quantico"/>
                 <a:cs typeface="Quantico"/>
               </a:rPr>
-              <a:t>Test Data </a:t>
-            </a:r>
-            <a:r>
-              <a:rPr lang="pt-BR" sz="2200" dirty="0" err="1">
+              <a:t>Data </a:t>
+            </a:r>
+            <a:r>
+              <a:rPr lang="pt-BR" sz="2200" dirty="0" err="1" smtClean="0">
                 <a:latin typeface="Quantico"/>
                 <a:ea typeface="Quantico"/>
                 <a:cs typeface="Quantico"/>
               </a:rPr>
-              <a:t>Builder</a:t>
+              <a:t>Builders</a:t>
             </a:r>
             <a:endParaRPr lang="pt-BR" sz="2200" dirty="0">
               <a:latin typeface="Quantico"/>
@@ -34006,6 +34091,13 @@
   <p:clrMapOvr>
     <a:masterClrMapping/>
   </p:clrMapOvr>
+  <p:timing>
+    <p:tnLst>
+      <p:par>
+        <p:cTn id="1" dur="indefinite" restart="never" nodeType="tmRoot"/>
+      </p:par>
+    </p:tnLst>
+  </p:timing>
 </p:sld>
 </file>
 
@@ -34745,6 +34837,13 @@
   <p:clrMapOvr>
     <a:masterClrMapping/>
   </p:clrMapOvr>
+  <p:timing>
+    <p:tnLst>
+      <p:par>
+        <p:cTn id="1" dur="indefinite" restart="never" nodeType="tmRoot"/>
+      </p:par>
+    </p:tnLst>
+  </p:timing>
 </p:sld>
 </file>
 

--- a/Testes - Semana de qualidade.pptx
+++ b/Testes - Semana de qualidade.pptx
@@ -373,7 +373,7 @@
           <a:p>
             <a:fld id="{2419AB37-6759-4260-B0B8-079BDFFA370B}" type="datetimeFigureOut">
               <a:rPr lang="pt-BR" smtClean="0"/>
-              <a:t>14/09/2023</a:t>
+              <a:t>18/09/2023</a:t>
             </a:fld>
             <a:endParaRPr lang="pt-BR"/>
           </a:p>
@@ -12727,7 +12727,7 @@
           <p:cNvPr id="2" name="Google Shape;285;p32">
             <a:extLst>
               <a:ext uri="{FF2B5EF4-FFF2-40B4-BE49-F238E27FC236}">
-                <a16:creationId xmlns="" xmlns:a16="http://schemas.microsoft.com/office/drawing/2014/main" id="{F4EBB00D-9EB7-44EF-725D-102C98FAC7EF}"/>
+                <a16:creationId xmlns:a16="http://schemas.microsoft.com/office/drawing/2014/main" xmlns="" id="{F4EBB00D-9EB7-44EF-725D-102C98FAC7EF}"/>
               </a:ext>
             </a:extLst>
           </p:cNvPr>
@@ -13516,7 +13516,7 @@
           <p:cNvPr id="2" name="Google Shape;285;p32">
             <a:extLst>
               <a:ext uri="{FF2B5EF4-FFF2-40B4-BE49-F238E27FC236}">
-                <a16:creationId xmlns="" xmlns:a16="http://schemas.microsoft.com/office/drawing/2014/main" id="{F4EBB00D-9EB7-44EF-725D-102C98FAC7EF}"/>
+                <a16:creationId xmlns:a16="http://schemas.microsoft.com/office/drawing/2014/main" xmlns="" id="{F4EBB00D-9EB7-44EF-725D-102C98FAC7EF}"/>
               </a:ext>
             </a:extLst>
           </p:cNvPr>
@@ -14317,7 +14317,7 @@
           <p:cNvPr id="2" name="Google Shape;285;p32">
             <a:extLst>
               <a:ext uri="{FF2B5EF4-FFF2-40B4-BE49-F238E27FC236}">
-                <a16:creationId xmlns="" xmlns:a16="http://schemas.microsoft.com/office/drawing/2014/main" id="{F4EBB00D-9EB7-44EF-725D-102C98FAC7EF}"/>
+                <a16:creationId xmlns:a16="http://schemas.microsoft.com/office/drawing/2014/main" xmlns="" id="{F4EBB00D-9EB7-44EF-725D-102C98FAC7EF}"/>
               </a:ext>
             </a:extLst>
           </p:cNvPr>
@@ -15106,7 +15106,7 @@
           <p:cNvPr id="2" name="Google Shape;285;p32">
             <a:extLst>
               <a:ext uri="{FF2B5EF4-FFF2-40B4-BE49-F238E27FC236}">
-                <a16:creationId xmlns="" xmlns:a16="http://schemas.microsoft.com/office/drawing/2014/main" id="{F4EBB00D-9EB7-44EF-725D-102C98FAC7EF}"/>
+                <a16:creationId xmlns:a16="http://schemas.microsoft.com/office/drawing/2014/main" xmlns="" id="{F4EBB00D-9EB7-44EF-725D-102C98FAC7EF}"/>
               </a:ext>
             </a:extLst>
           </p:cNvPr>
@@ -15416,7 +15416,7 @@
           <p:cNvPr id="3" name="Google Shape;285;p32">
             <a:extLst>
               <a:ext uri="{FF2B5EF4-FFF2-40B4-BE49-F238E27FC236}">
-                <a16:creationId xmlns="" xmlns:a16="http://schemas.microsoft.com/office/drawing/2014/main" id="{FCFAD74F-C434-3A06-E9EE-DDA42FB65283}"/>
+                <a16:creationId xmlns:a16="http://schemas.microsoft.com/office/drawing/2014/main" xmlns="" id="{FCFAD74F-C434-3A06-E9EE-DDA42FB65283}"/>
               </a:ext>
             </a:extLst>
           </p:cNvPr>
@@ -22570,7 +22570,7 @@
           <p:cNvPr id="3" name="CaixaDeTexto 2">
             <a:extLst>
               <a:ext uri="{FF2B5EF4-FFF2-40B4-BE49-F238E27FC236}">
-                <a16:creationId xmlns="" xmlns:a16="http://schemas.microsoft.com/office/drawing/2014/main" id="{309B08B6-9145-B3D6-2411-56E137E90BFF}"/>
+                <a16:creationId xmlns:a16="http://schemas.microsoft.com/office/drawing/2014/main" xmlns="" id="{309B08B6-9145-B3D6-2411-56E137E90BFF}"/>
               </a:ext>
             </a:extLst>
           </p:cNvPr>
@@ -23007,8 +23007,8 @@
           </p:nvSpPr>
           <p:spPr>
             <a:xfrm>
-              <a:off x="1054812" y="1029617"/>
-              <a:ext cx="3436200" cy="3912600"/>
+              <a:off x="1054812" y="1029616"/>
+              <a:ext cx="3436200" cy="3912601"/>
             </a:xfrm>
             <a:prstGeom prst="rect">
               <a:avLst/>
@@ -23199,8 +23199,8 @@
           </p:nvSpPr>
           <p:spPr>
             <a:xfrm>
-              <a:off x="1054812" y="1029617"/>
-              <a:ext cx="3436200" cy="3912600"/>
+              <a:off x="1054812" y="1029616"/>
+              <a:ext cx="3436200" cy="3912601"/>
             </a:xfrm>
             <a:prstGeom prst="rect">
               <a:avLst/>
@@ -25927,7 +25927,7 @@
           <p:cNvPr id="2" name="CaixaDeTexto 1">
             <a:extLst>
               <a:ext uri="{FF2B5EF4-FFF2-40B4-BE49-F238E27FC236}">
-                <a16:creationId xmlns="" xmlns:a16="http://schemas.microsoft.com/office/drawing/2014/main" id="{CDE52CDB-4CC3-FB46-3674-3437E0750BF4}"/>
+                <a16:creationId xmlns:a16="http://schemas.microsoft.com/office/drawing/2014/main" xmlns="" id="{CDE52CDB-4CC3-FB46-3674-3437E0750BF4}"/>
               </a:ext>
             </a:extLst>
           </p:cNvPr>
@@ -31658,7 +31658,7 @@
         </p:nvSpPr>
         <p:spPr>
           <a:xfrm>
-            <a:off x="719987" y="3168754"/>
+            <a:off x="719987" y="3278756"/>
             <a:ext cx="6010821" cy="421800"/>
           </a:xfrm>
           <a:prstGeom prst="rect">
@@ -31711,7 +31711,7 @@
         </p:nvSpPr>
         <p:spPr>
           <a:xfrm>
-            <a:off x="719987" y="2670380"/>
+            <a:off x="719987" y="2780382"/>
             <a:ext cx="5770189" cy="421800"/>
           </a:xfrm>
           <a:prstGeom prst="rect">
@@ -31767,7 +31767,7 @@
         </p:nvSpPr>
         <p:spPr>
           <a:xfrm>
-            <a:off x="719988" y="2186705"/>
+            <a:off x="719988" y="2296707"/>
             <a:ext cx="4114392" cy="421800"/>
           </a:xfrm>
           <a:prstGeom prst="rect">
@@ -31809,7 +31809,7 @@
         </p:nvSpPr>
         <p:spPr>
           <a:xfrm>
-            <a:off x="719988" y="1710633"/>
+            <a:off x="719988" y="1820635"/>
             <a:ext cx="4114392" cy="421800"/>
           </a:xfrm>
           <a:prstGeom prst="rect">
@@ -31895,7 +31895,7 @@
         </p:nvSpPr>
         <p:spPr>
           <a:xfrm>
-            <a:off x="719986" y="3652429"/>
+            <a:off x="719986" y="3762431"/>
             <a:ext cx="5880193" cy="421800"/>
           </a:xfrm>
           <a:prstGeom prst="rect">
@@ -33045,7 +33045,7 @@
         </p:nvSpPr>
         <p:spPr>
           <a:xfrm>
-            <a:off x="719987" y="3062703"/>
+            <a:off x="719987" y="3117703"/>
             <a:ext cx="7763995" cy="421800"/>
           </a:xfrm>
           <a:prstGeom prst="rect">
@@ -33101,7 +33101,7 @@
         </p:nvSpPr>
         <p:spPr>
           <a:xfrm>
-            <a:off x="719987" y="2359379"/>
+            <a:off x="719987" y="2366254"/>
             <a:ext cx="7763995" cy="665176"/>
           </a:xfrm>
           <a:prstGeom prst="rect">
@@ -33154,7 +33154,7 @@
         </p:nvSpPr>
         <p:spPr>
           <a:xfrm>
-            <a:off x="719988" y="1825835"/>
+            <a:off x="719988" y="1832710"/>
             <a:ext cx="5667062" cy="421800"/>
           </a:xfrm>
           <a:prstGeom prst="rect">
@@ -33669,28 +33669,36 @@
               <a:t>* </a:t>
             </a:r>
             <a:r>
+              <a:rPr lang="pt-BR" dirty="0" smtClean="0"/>
+              <a:t>Atente-se ao “</a:t>
+            </a:r>
+            <a:r>
+              <a:rPr lang="pt-BR" dirty="0" err="1" smtClean="0"/>
+              <a:t>Don’t</a:t>
+            </a:r>
+            <a:r>
+              <a:rPr lang="pt-BR" dirty="0" smtClean="0"/>
+              <a:t> </a:t>
+            </a:r>
+            <a:r>
               <a:rPr lang="pt-BR" dirty="0" err="1"/>
-              <a:t>Don’t</a:t>
+              <a:t>Repeat</a:t>
             </a:r>
             <a:r>
               <a:rPr lang="pt-BR" dirty="0"/>
               <a:t> </a:t>
             </a:r>
             <a:r>
-              <a:rPr lang="pt-BR" dirty="0" err="1"/>
-              <a:t>Repeat</a:t>
+              <a:rPr lang="pt-BR" dirty="0" err="1" smtClean="0"/>
+              <a:t>Yourself</a:t>
+            </a:r>
+            <a:r>
+              <a:rPr lang="pt-BR" dirty="0" smtClean="0"/>
+              <a:t>” (</a:t>
             </a:r>
             <a:r>
               <a:rPr lang="pt-BR" dirty="0"/>
-              <a:t> </a:t>
-            </a:r>
-            <a:r>
-              <a:rPr lang="pt-BR" dirty="0" err="1"/>
-              <a:t>Yourself</a:t>
-            </a:r>
-            <a:r>
-              <a:rPr lang="pt-BR" dirty="0"/>
-              <a:t> (DRY)</a:t>
+              <a:t>DRY)</a:t>
             </a:r>
           </a:p>
         </p:txBody>

--- a/Testes - Semana de qualidade.pptx
+++ b/Testes - Semana de qualidade.pptx
@@ -12727,7 +12727,7 @@
           <p:cNvPr id="2" name="Google Shape;285;p32">
             <a:extLst>
               <a:ext uri="{FF2B5EF4-FFF2-40B4-BE49-F238E27FC236}">
-                <a16:creationId xmlns:a16="http://schemas.microsoft.com/office/drawing/2014/main" xmlns="" id="{F4EBB00D-9EB7-44EF-725D-102C98FAC7EF}"/>
+                <a16:creationId xmlns="" xmlns:a16="http://schemas.microsoft.com/office/drawing/2014/main" id="{F4EBB00D-9EB7-44EF-725D-102C98FAC7EF}"/>
               </a:ext>
             </a:extLst>
           </p:cNvPr>
@@ -13516,7 +13516,7 @@
           <p:cNvPr id="2" name="Google Shape;285;p32">
             <a:extLst>
               <a:ext uri="{FF2B5EF4-FFF2-40B4-BE49-F238E27FC236}">
-                <a16:creationId xmlns:a16="http://schemas.microsoft.com/office/drawing/2014/main" xmlns="" id="{F4EBB00D-9EB7-44EF-725D-102C98FAC7EF}"/>
+                <a16:creationId xmlns="" xmlns:a16="http://schemas.microsoft.com/office/drawing/2014/main" id="{F4EBB00D-9EB7-44EF-725D-102C98FAC7EF}"/>
               </a:ext>
             </a:extLst>
           </p:cNvPr>
@@ -13906,7 +13906,11 @@
             </a:r>
             <a:r>
               <a:rPr lang="pt-BR" dirty="0"/>
-              <a:t>Testa a integração das classes</a:t>
+              <a:t>Testa a integração </a:t>
+            </a:r>
+            <a:r>
+              <a:rPr lang="pt-BR" dirty="0" smtClean="0"/>
+              <a:t>entre classes.</a:t>
             </a:r>
             <a:endParaRPr dirty="0"/>
           </a:p>
@@ -14003,7 +14007,16 @@
                 <a:cs typeface="Quantico"/>
                 <a:sym typeface="Quantico"/>
               </a:rPr>
-              <a:t>O custo de processamento e complexidade são maiores</a:t>
+              <a:t>O custo de processamento e complexidade são </a:t>
+            </a:r>
+            <a:r>
+              <a:rPr lang="en" sz="2200" dirty="0" smtClean="0">
+                <a:latin typeface="Quantico"/>
+                <a:ea typeface="Quantico"/>
+                <a:cs typeface="Quantico"/>
+                <a:sym typeface="Quantico"/>
+              </a:rPr>
+              <a:t>maiores.</a:t>
             </a:r>
             <a:endParaRPr sz="2200" dirty="0">
               <a:latin typeface="Quantico"/>
@@ -14317,7 +14330,7 @@
           <p:cNvPr id="2" name="Google Shape;285;p32">
             <a:extLst>
               <a:ext uri="{FF2B5EF4-FFF2-40B4-BE49-F238E27FC236}">
-                <a16:creationId xmlns:a16="http://schemas.microsoft.com/office/drawing/2014/main" xmlns="" id="{F4EBB00D-9EB7-44EF-725D-102C98FAC7EF}"/>
+                <a16:creationId xmlns="" xmlns:a16="http://schemas.microsoft.com/office/drawing/2014/main" id="{F4EBB00D-9EB7-44EF-725D-102C98FAC7EF}"/>
               </a:ext>
             </a:extLst>
           </p:cNvPr>
@@ -14611,7 +14624,16 @@
                 <a:cs typeface="Quantico"/>
                 <a:sym typeface="Quantico"/>
               </a:rPr>
-              <a:t>Garante que os serviços estejam respondendo</a:t>
+              <a:t>Garante que os serviços estejam </a:t>
+            </a:r>
+            <a:r>
+              <a:rPr lang="en" sz="2200" dirty="0" smtClean="0">
+                <a:latin typeface="Quantico"/>
+                <a:ea typeface="Quantico"/>
+                <a:cs typeface="Quantico"/>
+                <a:sym typeface="Quantico"/>
+              </a:rPr>
+              <a:t>respondendo.</a:t>
             </a:r>
             <a:endParaRPr lang="pt-BR" sz="2200" dirty="0">
               <a:latin typeface="Quantico"/>
@@ -14695,7 +14717,11 @@
             </a:r>
             <a:r>
               <a:rPr lang="en" dirty="0"/>
-              <a:t>Testa todas as camadas do sistema</a:t>
+              <a:t>Testa todas as camadas do </a:t>
+            </a:r>
+            <a:r>
+              <a:rPr lang="en" dirty="0" smtClean="0"/>
+              <a:t>sistema.</a:t>
             </a:r>
             <a:endParaRPr dirty="0"/>
           </a:p>
@@ -14792,7 +14818,16 @@
                 <a:cs typeface="Quantico"/>
                 <a:sym typeface="Quantico"/>
               </a:rPr>
-              <a:t>Necessita que todos os artefatos estejam respondendo</a:t>
+              <a:t>Necessita que todos os artefatos estejam </a:t>
+            </a:r>
+            <a:r>
+              <a:rPr lang="en" sz="2200" dirty="0" smtClean="0">
+                <a:latin typeface="Quantico"/>
+                <a:ea typeface="Quantico"/>
+                <a:cs typeface="Quantico"/>
+                <a:sym typeface="Quantico"/>
+              </a:rPr>
+              <a:t>respondendo.</a:t>
             </a:r>
             <a:endParaRPr sz="2200" dirty="0">
               <a:latin typeface="Quantico"/>
@@ -15106,7 +15141,7 @@
           <p:cNvPr id="2" name="Google Shape;285;p32">
             <a:extLst>
               <a:ext uri="{FF2B5EF4-FFF2-40B4-BE49-F238E27FC236}">
-                <a16:creationId xmlns:a16="http://schemas.microsoft.com/office/drawing/2014/main" xmlns="" id="{F4EBB00D-9EB7-44EF-725D-102C98FAC7EF}"/>
+                <a16:creationId xmlns="" xmlns:a16="http://schemas.microsoft.com/office/drawing/2014/main" id="{F4EBB00D-9EB7-44EF-725D-102C98FAC7EF}"/>
               </a:ext>
             </a:extLst>
           </p:cNvPr>
@@ -15400,7 +15435,16 @@
                 <a:cs typeface="Quantico"/>
                 <a:sym typeface="Quantico"/>
               </a:rPr>
-              <a:t>Exige um maior custo de processamento</a:t>
+              <a:t>Exige um maior custo de </a:t>
+            </a:r>
+            <a:r>
+              <a:rPr lang="en" sz="2200" dirty="0" smtClean="0">
+                <a:latin typeface="Quantico"/>
+                <a:ea typeface="Quantico"/>
+                <a:cs typeface="Quantico"/>
+                <a:sym typeface="Quantico"/>
+              </a:rPr>
+              <a:t>processamento.</a:t>
             </a:r>
             <a:endParaRPr lang="pt-BR" sz="2200" dirty="0">
               <a:latin typeface="Quantico"/>
@@ -15416,7 +15460,7 @@
           <p:cNvPr id="3" name="Google Shape;285;p32">
             <a:extLst>
               <a:ext uri="{FF2B5EF4-FFF2-40B4-BE49-F238E27FC236}">
-                <a16:creationId xmlns:a16="http://schemas.microsoft.com/office/drawing/2014/main" xmlns="" id="{FCFAD74F-C434-3A06-E9EE-DDA42FB65283}"/>
+                <a16:creationId xmlns="" xmlns:a16="http://schemas.microsoft.com/office/drawing/2014/main" id="{FCFAD74F-C434-3A06-E9EE-DDA42FB65283}"/>
               </a:ext>
             </a:extLst>
           </p:cNvPr>
@@ -18208,7 +18252,7 @@
                 <a:buNone/>
               </a:pPr>
               <a:r>
-                <a:rPr lang="pt-BR" sz="1800" dirty="0">
+                <a:rPr lang="pt-BR" sz="1800" dirty="0" smtClean="0">
                   <a:solidFill>
                     <a:schemeClr val="dk1"/>
                   </a:solidFill>
@@ -18217,7 +18261,7 @@
                   <a:cs typeface="Quantico"/>
                   <a:sym typeface="Quantico"/>
                 </a:rPr>
-                <a:t>CalculatorTest.java</a:t>
+                <a:t>Calculator.java</a:t>
               </a:r>
               <a:endParaRPr sz="1800" dirty="0">
                 <a:solidFill>
@@ -19976,7 +20020,7 @@
                 <a:buNone/>
               </a:pPr>
               <a:r>
-                <a:rPr lang="pt-BR" sz="1800" dirty="0">
+                <a:rPr lang="pt-BR" sz="1800" dirty="0" smtClean="0">
                   <a:solidFill>
                     <a:schemeClr val="dk1"/>
                   </a:solidFill>
@@ -19985,7 +20029,7 @@
                   <a:cs typeface="Quantico"/>
                   <a:sym typeface="Quantico"/>
                 </a:rPr>
-                <a:t>CalculatorTest.java</a:t>
+                <a:t>Calculator.java</a:t>
               </a:r>
               <a:endParaRPr sz="1800" dirty="0">
                 <a:solidFill>
@@ -21776,7 +21820,7 @@
                 <a:buNone/>
               </a:pPr>
               <a:r>
-                <a:rPr lang="pt-BR" sz="1800" dirty="0">
+                <a:rPr lang="pt-BR" sz="1800" dirty="0" smtClean="0">
                   <a:solidFill>
                     <a:schemeClr val="dk1"/>
                   </a:solidFill>
@@ -21785,7 +21829,7 @@
                   <a:cs typeface="Quantico"/>
                   <a:sym typeface="Quantico"/>
                 </a:rPr>
-                <a:t>CalculatorTest.java</a:t>
+                <a:t>Calculator.java</a:t>
               </a:r>
               <a:endParaRPr sz="1800" dirty="0">
                 <a:solidFill>
@@ -21982,7 +22026,16 @@
                 <a:cs typeface="Quantico"/>
                 <a:sym typeface="Quantico"/>
               </a:rPr>
-              <a:t>É baseado em anotações</a:t>
+              <a:t>É baseado em </a:t>
+            </a:r>
+            <a:r>
+              <a:rPr lang="en" sz="2200" dirty="0" smtClean="0">
+                <a:latin typeface="Quantico"/>
+                <a:ea typeface="Quantico"/>
+                <a:cs typeface="Quantico"/>
+                <a:sym typeface="Quantico"/>
+              </a:rPr>
+              <a:t>anotações.</a:t>
             </a:r>
             <a:endParaRPr sz="2200" dirty="0">
               <a:latin typeface="Quantico"/>
@@ -22038,7 +22091,16 @@
                 <a:cs typeface="Quantico"/>
                 <a:sym typeface="Quantico"/>
               </a:rPr>
-              <a:t>Executa tanto testes unitários quanto integrados</a:t>
+              <a:t>Executa tanto testes unitários quanto </a:t>
+            </a:r>
+            <a:r>
+              <a:rPr lang="en" sz="2200" dirty="0" smtClean="0">
+                <a:latin typeface="Quantico"/>
+                <a:ea typeface="Quantico"/>
+                <a:cs typeface="Quantico"/>
+                <a:sym typeface="Quantico"/>
+              </a:rPr>
+              <a:t>integrados.</a:t>
             </a:r>
             <a:endParaRPr sz="2200" dirty="0">
               <a:latin typeface="Quantico"/>
@@ -22570,7 +22632,7 @@
           <p:cNvPr id="3" name="CaixaDeTexto 2">
             <a:extLst>
               <a:ext uri="{FF2B5EF4-FFF2-40B4-BE49-F238E27FC236}">
-                <a16:creationId xmlns:a16="http://schemas.microsoft.com/office/drawing/2014/main" xmlns="" id="{309B08B6-9145-B3D6-2411-56E137E90BFF}"/>
+                <a16:creationId xmlns="" xmlns:a16="http://schemas.microsoft.com/office/drawing/2014/main" id="{309B08B6-9145-B3D6-2411-56E137E90BFF}"/>
               </a:ext>
             </a:extLst>
           </p:cNvPr>
@@ -24137,7 +24199,19 @@
                 <a:cs typeface="Source Code Pro"/>
                 <a:sym typeface="Source Code Pro"/>
               </a:rPr>
-              <a:t>Envia para o serviço e processa os dados</a:t>
+              <a:t>Envia para o serviço e processa os </a:t>
+            </a:r>
+            <a:r>
+              <a:rPr lang="en" sz="1200" dirty="0" smtClean="0">
+                <a:solidFill>
+                  <a:schemeClr val="dk1"/>
+                </a:solidFill>
+                <a:latin typeface="Source Code Pro"/>
+                <a:ea typeface="Source Code Pro"/>
+                <a:cs typeface="Source Code Pro"/>
+                <a:sym typeface="Source Code Pro"/>
+              </a:rPr>
+              <a:t>dados.</a:t>
             </a:r>
             <a:endParaRPr sz="1200" dirty="0">
               <a:solidFill>
@@ -24195,7 +24269,19 @@
                 <a:cs typeface="Source Code Pro"/>
                 <a:sym typeface="Source Code Pro"/>
               </a:rPr>
-              <a:t>Consulta ou insere dados</a:t>
+              <a:t>Consulta ou insere </a:t>
+            </a:r>
+            <a:r>
+              <a:rPr lang="en" sz="1200" dirty="0" smtClean="0">
+                <a:solidFill>
+                  <a:schemeClr val="dk1"/>
+                </a:solidFill>
+                <a:latin typeface="Source Code Pro"/>
+                <a:ea typeface="Source Code Pro"/>
+                <a:cs typeface="Source Code Pro"/>
+                <a:sym typeface="Source Code Pro"/>
+              </a:rPr>
+              <a:t>dados.</a:t>
             </a:r>
             <a:endParaRPr sz="1200" dirty="0">
               <a:solidFill>
@@ -24253,7 +24339,19 @@
                 <a:cs typeface="Source Code Pro"/>
                 <a:sym typeface="Source Code Pro"/>
               </a:rPr>
-              <a:t>Processa o retorno e altera a interface</a:t>
+              <a:t>Processa o retorno e altera a </a:t>
+            </a:r>
+            <a:r>
+              <a:rPr lang="en" sz="1200" dirty="0" smtClean="0">
+                <a:solidFill>
+                  <a:schemeClr val="dk1"/>
+                </a:solidFill>
+                <a:latin typeface="Source Code Pro"/>
+                <a:ea typeface="Source Code Pro"/>
+                <a:cs typeface="Source Code Pro"/>
+                <a:sym typeface="Source Code Pro"/>
+              </a:rPr>
+              <a:t>interface.</a:t>
             </a:r>
             <a:endParaRPr sz="1200" dirty="0">
               <a:solidFill>
@@ -24311,7 +24409,19 @@
                 <a:cs typeface="Source Code Pro"/>
                 <a:sym typeface="Source Code Pro"/>
               </a:rPr>
-              <a:t>Analisa se a interface de comportou de acordo com o esperado</a:t>
+              <a:t>Analisa se a interface de comportou de acordo com o </a:t>
+            </a:r>
+            <a:r>
+              <a:rPr lang="en" sz="1200" dirty="0" smtClean="0">
+                <a:solidFill>
+                  <a:schemeClr val="dk1"/>
+                </a:solidFill>
+                <a:latin typeface="Source Code Pro"/>
+                <a:ea typeface="Source Code Pro"/>
+                <a:cs typeface="Source Code Pro"/>
+                <a:sym typeface="Source Code Pro"/>
+              </a:rPr>
+              <a:t>esperado.</a:t>
             </a:r>
             <a:endParaRPr sz="1200" dirty="0">
               <a:solidFill>
@@ -25927,7 +26037,7 @@
           <p:cNvPr id="2" name="CaixaDeTexto 1">
             <a:extLst>
               <a:ext uri="{FF2B5EF4-FFF2-40B4-BE49-F238E27FC236}">
-                <a16:creationId xmlns:a16="http://schemas.microsoft.com/office/drawing/2014/main" xmlns="" id="{CDE52CDB-4CC3-FB46-3674-3437E0750BF4}"/>
+                <a16:creationId xmlns="" xmlns:a16="http://schemas.microsoft.com/office/drawing/2014/main" id="{CDE52CDB-4CC3-FB46-3674-3437E0750BF4}"/>
               </a:ext>
             </a:extLst>
           </p:cNvPr>
@@ -26247,8 +26357,13 @@
                   <a:schemeClr val="tx1"/>
                 </a:solidFill>
               </a:rPr>
-              <a:t>()</a:t>
-            </a:r>
+              <a:t>();</a:t>
+            </a:r>
+            <a:endParaRPr lang="pt-BR" dirty="0" smtClean="0">
+              <a:solidFill>
+                <a:schemeClr val="tx1"/>
+              </a:solidFill>
+            </a:endParaRPr>
           </a:p>
           <a:p>
             <a:endParaRPr lang="pt-BR" dirty="0">
@@ -26320,16 +26435,29 @@
                   <a:schemeClr val="tx2"/>
                 </a:solidFill>
               </a:rPr>
-              <a:t>"O hábito de enxergar os testes como parte da entrega."</a:t>
-            </a:r>
-            <a:r>
-              <a:rPr lang="pt-BR" dirty="0">
+              <a:t>"O hábito de enxergar os testes como parte da entrega</a:t>
+            </a:r>
+            <a:r>
+              <a:rPr lang="pt-BR" dirty="0" smtClean="0">
+                <a:solidFill>
+                  <a:schemeClr val="tx2"/>
+                </a:solidFill>
+              </a:rPr>
+              <a:t>."</a:t>
+            </a:r>
+            <a:r>
+              <a:rPr lang="pt-BR" dirty="0" smtClean="0">
                 <a:solidFill>
                   <a:schemeClr val="tx1"/>
                 </a:solidFill>
               </a:rPr>
-              <a:t>)</a:t>
-            </a:r>
+              <a:t>);</a:t>
+            </a:r>
+            <a:endParaRPr lang="pt-BR" dirty="0">
+              <a:solidFill>
+                <a:schemeClr val="tx1"/>
+              </a:solidFill>
+            </a:endParaRPr>
           </a:p>
           <a:p>
             <a:endParaRPr lang="pt-BR" dirty="0" smtClean="0">
@@ -26417,15 +26545,23 @@
                   <a:schemeClr val="tx2"/>
                 </a:solidFill>
               </a:rPr>
-              <a:t>'https://santocodigo.com.br/login'</a:t>
+              <a:t>'https://santocodigo.com.br/login</a:t>
             </a:r>
             <a:r>
               <a:rPr lang="en-US" dirty="0" smtClean="0">
                 <a:solidFill>
+                  <a:schemeClr val="tx2"/>
+                </a:solidFill>
+              </a:rPr>
+              <a:t>'</a:t>
+            </a:r>
+            <a:r>
+              <a:rPr lang="en-US" dirty="0" smtClean="0">
+                <a:solidFill>
                   <a:schemeClr val="tx1"/>
                 </a:solidFill>
               </a:rPr>
-              <a:t>)</a:t>
+              <a:t>);</a:t>
             </a:r>
             <a:endParaRPr lang="en-US" dirty="0">
               <a:solidFill>
@@ -26501,7 +26637,11 @@
             </a:r>
             <a:r>
               <a:rPr lang="pt-BR" dirty="0"/>
-              <a:t>Allure Test</a:t>
+              <a:t>Allure </a:t>
+            </a:r>
+            <a:r>
+              <a:rPr lang="pt-BR" dirty="0" smtClean="0"/>
+              <a:t>Test.</a:t>
             </a:r>
             <a:endParaRPr dirty="0"/>
           </a:p>
@@ -26602,7 +26742,16 @@
                 <a:cs typeface="Quantico"/>
                 <a:sym typeface="Quantico"/>
               </a:rPr>
-              <a:t>Jacoco (Java code coverage)</a:t>
+              <a:t>Jacoco (Java code coverage</a:t>
+            </a:r>
+            <a:r>
+              <a:rPr lang="en" sz="2200" dirty="0" smtClean="0">
+                <a:latin typeface="Quantico"/>
+                <a:ea typeface="Quantico"/>
+                <a:cs typeface="Quantico"/>
+                <a:sym typeface="Quantico"/>
+              </a:rPr>
+              <a:t>).</a:t>
             </a:r>
             <a:endParaRPr sz="2200" dirty="0">
               <a:latin typeface="Quantico"/>
@@ -26652,13 +26801,13 @@
               <a:t>* </a:t>
             </a:r>
             <a:r>
-              <a:rPr lang="en" sz="2200" dirty="0">
+              <a:rPr lang="en" sz="2200" dirty="0" smtClean="0">
                 <a:latin typeface="Quantico"/>
                 <a:ea typeface="Quantico"/>
                 <a:cs typeface="Quantico"/>
                 <a:sym typeface="Quantico"/>
               </a:rPr>
-              <a:t>Newman</a:t>
+              <a:t>Newman.</a:t>
             </a:r>
             <a:endParaRPr sz="2200" dirty="0">
               <a:latin typeface="Quantico"/>
@@ -33626,6 +33775,14 @@
               </a:rPr>
               <a:t>Builders</a:t>
             </a:r>
+            <a:r>
+              <a:rPr lang="pt-BR" sz="2200" dirty="0" smtClean="0">
+                <a:latin typeface="Quantico"/>
+                <a:ea typeface="Quantico"/>
+                <a:cs typeface="Quantico"/>
+              </a:rPr>
+              <a:t>.</a:t>
+            </a:r>
             <a:endParaRPr lang="pt-BR" sz="2200" dirty="0">
               <a:latin typeface="Quantico"/>
               <a:ea typeface="Quantico"/>
@@ -33698,8 +33855,13 @@
             </a:r>
             <a:r>
               <a:rPr lang="pt-BR" dirty="0"/>
-              <a:t>DRY)</a:t>
-            </a:r>
+              <a:t>DRY</a:t>
+            </a:r>
+            <a:r>
+              <a:rPr lang="pt-BR" dirty="0" smtClean="0"/>
+              <a:t>).</a:t>
+            </a:r>
+            <a:endParaRPr lang="pt-BR" dirty="0"/>
           </a:p>
         </p:txBody>
       </p:sp>
@@ -34383,7 +34545,15 @@
                 <a:ea typeface="Quantico"/>
                 <a:cs typeface="Quantico"/>
               </a:rPr>
-              <a:t>Entrega do software (build)</a:t>
+              <a:t>Entrega do software (build</a:t>
+            </a:r>
+            <a:r>
+              <a:rPr lang="en" sz="2200" dirty="0" smtClean="0">
+                <a:latin typeface="Quantico"/>
+                <a:ea typeface="Quantico"/>
+                <a:cs typeface="Quantico"/>
+              </a:rPr>
+              <a:t>).</a:t>
             </a:r>
             <a:endParaRPr sz="2200" dirty="0">
               <a:latin typeface="Quantico"/>
@@ -34432,13 +34602,22 @@
               <a:t>* </a:t>
             </a:r>
             <a:r>
+              <a:rPr lang="en" sz="2200" dirty="0" smtClean="0">
+                <a:latin typeface="Quantico"/>
+                <a:ea typeface="Quantico"/>
+                <a:cs typeface="Quantico"/>
+                <a:sym typeface="Quantico"/>
+              </a:rPr>
+              <a:t>Variações </a:t>
+            </a:r>
+            <a:r>
               <a:rPr lang="en" sz="2200" dirty="0">
                 <a:latin typeface="Quantico"/>
                 <a:ea typeface="Quantico"/>
                 <a:cs typeface="Quantico"/>
                 <a:sym typeface="Quantico"/>
               </a:rPr>
-              <a:t>Variaçõe de saídas e comportamentos esperados.</a:t>
+              <a:t>de saídas e comportamentos esperados.</a:t>
             </a:r>
             <a:endParaRPr sz="2200" dirty="0">
               <a:latin typeface="Quantico"/>

--- a/Testes - Semana de qualidade.pptx
+++ b/Testes - Semana de qualidade.pptx
@@ -5,10 +5,10 @@
     <p:sldMasterId id="2147483672" r:id="rId1"/>
   </p:sldMasterIdLst>
   <p:notesMasterIdLst>
-    <p:notesMasterId r:id="rId27"/>
+    <p:notesMasterId r:id="rId28"/>
   </p:notesMasterIdLst>
   <p:handoutMasterIdLst>
-    <p:handoutMasterId r:id="rId28"/>
+    <p:handoutMasterId r:id="rId29"/>
   </p:handoutMasterIdLst>
   <p:sldIdLst>
     <p:sldId id="256" r:id="rId2"/>
@@ -30,12 +30,13 @@
     <p:sldId id="341" r:id="rId18"/>
     <p:sldId id="322" r:id="rId19"/>
     <p:sldId id="323" r:id="rId20"/>
-    <p:sldId id="326" r:id="rId21"/>
-    <p:sldId id="269" r:id="rId22"/>
-    <p:sldId id="327" r:id="rId23"/>
-    <p:sldId id="329" r:id="rId24"/>
-    <p:sldId id="310" r:id="rId25"/>
-    <p:sldId id="321" r:id="rId26"/>
+    <p:sldId id="342" r:id="rId21"/>
+    <p:sldId id="326" r:id="rId22"/>
+    <p:sldId id="269" r:id="rId23"/>
+    <p:sldId id="327" r:id="rId24"/>
+    <p:sldId id="329" r:id="rId25"/>
+    <p:sldId id="310" r:id="rId26"/>
+    <p:sldId id="321" r:id="rId27"/>
   </p:sldIdLst>
   <p:sldSz cx="9144000" cy="5143500" type="screen16x9"/>
   <p:notesSz cx="6858000" cy="9144000"/>
@@ -373,7 +374,7 @@
           <a:p>
             <a:fld id="{2419AB37-6759-4260-B0B8-079BDFFA370B}" type="datetimeFigureOut">
               <a:rPr lang="pt-BR" smtClean="0"/>
-              <a:t>18/09/2023</a:t>
+              <a:t>21/09/2023</a:t>
             </a:fld>
             <a:endParaRPr lang="pt-BR"/>
           </a:p>
@@ -2309,6 +2310,115 @@
     </p:spTree>
     <p:extLst>
       <p:ext uri="{BB962C8B-B14F-4D97-AF65-F5344CB8AC3E}">
+        <p14:creationId xmlns:p14="http://schemas.microsoft.com/office/powerpoint/2010/main" val="188158042"/>
+      </p:ext>
+    </p:extLst>
+  </p:cSld>
+  <p:clrMapOvr>
+    <a:masterClrMapping/>
+  </p:clrMapOvr>
+</p:notes>
+</file>
+
+<file path=ppt/notesSlides/notesSlide21.xml><?xml version="1.0" encoding="utf-8"?>
+<p:notes xmlns:a="http://schemas.openxmlformats.org/drawingml/2006/main" xmlns:r="http://schemas.openxmlformats.org/officeDocument/2006/relationships" xmlns:p="http://schemas.openxmlformats.org/presentationml/2006/main" showMasterSp="0" showMasterPhAnim="0">
+  <p:cSld>
+    <p:spTree>
+      <p:nvGrpSpPr>
+        <p:cNvPr id="1" name="Shape 280"/>
+        <p:cNvGrpSpPr/>
+        <p:nvPr/>
+      </p:nvGrpSpPr>
+      <p:grpSpPr>
+        <a:xfrm>
+          <a:off x="0" y="0"/>
+          <a:ext cx="0" cy="0"/>
+          <a:chOff x="0" y="0"/>
+          <a:chExt cx="0" cy="0"/>
+        </a:xfrm>
+      </p:grpSpPr>
+      <p:sp>
+        <p:nvSpPr>
+          <p:cNvPr id="281" name="Google Shape;281;gcc9050bdf8_0_241:notes"/>
+          <p:cNvSpPr>
+            <a:spLocks noGrp="1" noRot="1" noChangeAspect="1"/>
+          </p:cNvSpPr>
+          <p:nvPr>
+            <p:ph type="sldImg" idx="2"/>
+          </p:nvPr>
+        </p:nvSpPr>
+        <p:spPr>
+          <a:xfrm>
+            <a:off x="381000" y="685800"/>
+            <a:ext cx="6096000" cy="3429000"/>
+          </a:xfrm>
+          <a:custGeom>
+            <a:avLst/>
+            <a:gdLst/>
+            <a:ahLst/>
+            <a:cxnLst/>
+            <a:rect l="l" t="t" r="r" b="b"/>
+            <a:pathLst>
+              <a:path w="120000" h="120000" extrusionOk="0">
+                <a:moveTo>
+                  <a:pt x="0" y="0"/>
+                </a:moveTo>
+                <a:lnTo>
+                  <a:pt x="120000" y="0"/>
+                </a:lnTo>
+                <a:lnTo>
+                  <a:pt x="120000" y="120000"/>
+                </a:lnTo>
+                <a:lnTo>
+                  <a:pt x="0" y="120000"/>
+                </a:lnTo>
+                <a:close/>
+              </a:path>
+            </a:pathLst>
+          </a:custGeom>
+        </p:spPr>
+      </p:sp>
+      <p:sp>
+        <p:nvSpPr>
+          <p:cNvPr id="282" name="Google Shape;282;gcc9050bdf8_0_241:notes"/>
+          <p:cNvSpPr txBox="1">
+            <a:spLocks noGrp="1"/>
+          </p:cNvSpPr>
+          <p:nvPr>
+            <p:ph type="body" idx="1"/>
+          </p:nvPr>
+        </p:nvSpPr>
+        <p:spPr>
+          <a:xfrm>
+            <a:off x="685800" y="4343400"/>
+            <a:ext cx="5486400" cy="4114800"/>
+          </a:xfrm>
+          <a:prstGeom prst="rect">
+            <a:avLst/>
+          </a:prstGeom>
+        </p:spPr>
+        <p:txBody>
+          <a:bodyPr spcFirstLastPara="1" wrap="square" lIns="91425" tIns="91425" rIns="91425" bIns="91425" anchor="t" anchorCtr="0">
+            <a:noAutofit/>
+          </a:bodyPr>
+          <a:lstStyle/>
+          <a:p>
+            <a:pPr marL="0" lvl="0" indent="0" algn="l" rtl="0">
+              <a:spcBef>
+                <a:spcPts val="0"/>
+              </a:spcBef>
+              <a:spcAft>
+                <a:spcPts val="0"/>
+              </a:spcAft>
+              <a:buNone/>
+            </a:pPr>
+            <a:endParaRPr/>
+          </a:p>
+        </p:txBody>
+      </p:sp>
+    </p:spTree>
+    <p:extLst>
+      <p:ext uri="{BB962C8B-B14F-4D97-AF65-F5344CB8AC3E}">
         <p14:creationId xmlns:p14="http://schemas.microsoft.com/office/powerpoint/2010/main" val="3758833153"/>
       </p:ext>
     </p:extLst>
@@ -2319,7 +2429,7 @@
 </p:notes>
 </file>
 
-<file path=ppt/notesSlides/notesSlide21.xml><?xml version="1.0" encoding="utf-8"?>
+<file path=ppt/notesSlides/notesSlide22.xml><?xml version="1.0" encoding="utf-8"?>
 <p:notes xmlns:a="http://schemas.openxmlformats.org/drawingml/2006/main" xmlns:r="http://schemas.openxmlformats.org/officeDocument/2006/relationships" xmlns:p="http://schemas.openxmlformats.org/presentationml/2006/main" showMasterSp="0" showMasterPhAnim="0">
   <p:cSld>
     <p:spTree>
@@ -2419,115 +2529,6 @@
     <p:extLst>
       <p:ext uri="{BB962C8B-B14F-4D97-AF65-F5344CB8AC3E}">
         <p14:creationId xmlns:p14="http://schemas.microsoft.com/office/powerpoint/2010/main" val="3501008958"/>
-      </p:ext>
-    </p:extLst>
-  </p:cSld>
-  <p:clrMapOvr>
-    <a:masterClrMapping/>
-  </p:clrMapOvr>
-</p:notes>
-</file>
-
-<file path=ppt/notesSlides/notesSlide22.xml><?xml version="1.0" encoding="utf-8"?>
-<p:notes xmlns:a="http://schemas.openxmlformats.org/drawingml/2006/main" xmlns:r="http://schemas.openxmlformats.org/officeDocument/2006/relationships" xmlns:p="http://schemas.openxmlformats.org/presentationml/2006/main" showMasterSp="0" showMasterPhAnim="0">
-  <p:cSld>
-    <p:spTree>
-      <p:nvGrpSpPr>
-        <p:cNvPr id="1" name="Shape 280"/>
-        <p:cNvGrpSpPr/>
-        <p:nvPr/>
-      </p:nvGrpSpPr>
-      <p:grpSpPr>
-        <a:xfrm>
-          <a:off x="0" y="0"/>
-          <a:ext cx="0" cy="0"/>
-          <a:chOff x="0" y="0"/>
-          <a:chExt cx="0" cy="0"/>
-        </a:xfrm>
-      </p:grpSpPr>
-      <p:sp>
-        <p:nvSpPr>
-          <p:cNvPr id="281" name="Google Shape;281;gcc9050bdf8_0_241:notes"/>
-          <p:cNvSpPr>
-            <a:spLocks noGrp="1" noRot="1" noChangeAspect="1"/>
-          </p:cNvSpPr>
-          <p:nvPr>
-            <p:ph type="sldImg" idx="2"/>
-          </p:nvPr>
-        </p:nvSpPr>
-        <p:spPr>
-          <a:xfrm>
-            <a:off x="381000" y="685800"/>
-            <a:ext cx="6096000" cy="3429000"/>
-          </a:xfrm>
-          <a:custGeom>
-            <a:avLst/>
-            <a:gdLst/>
-            <a:ahLst/>
-            <a:cxnLst/>
-            <a:rect l="l" t="t" r="r" b="b"/>
-            <a:pathLst>
-              <a:path w="120000" h="120000" extrusionOk="0">
-                <a:moveTo>
-                  <a:pt x="0" y="0"/>
-                </a:moveTo>
-                <a:lnTo>
-                  <a:pt x="120000" y="0"/>
-                </a:lnTo>
-                <a:lnTo>
-                  <a:pt x="120000" y="120000"/>
-                </a:lnTo>
-                <a:lnTo>
-                  <a:pt x="0" y="120000"/>
-                </a:lnTo>
-                <a:close/>
-              </a:path>
-            </a:pathLst>
-          </a:custGeom>
-        </p:spPr>
-      </p:sp>
-      <p:sp>
-        <p:nvSpPr>
-          <p:cNvPr id="282" name="Google Shape;282;gcc9050bdf8_0_241:notes"/>
-          <p:cNvSpPr txBox="1">
-            <a:spLocks noGrp="1"/>
-          </p:cNvSpPr>
-          <p:nvPr>
-            <p:ph type="body" idx="1"/>
-          </p:nvPr>
-        </p:nvSpPr>
-        <p:spPr>
-          <a:xfrm>
-            <a:off x="685800" y="4343400"/>
-            <a:ext cx="5486400" cy="4114800"/>
-          </a:xfrm>
-          <a:prstGeom prst="rect">
-            <a:avLst/>
-          </a:prstGeom>
-        </p:spPr>
-        <p:txBody>
-          <a:bodyPr spcFirstLastPara="1" wrap="square" lIns="91425" tIns="91425" rIns="91425" bIns="91425" anchor="t" anchorCtr="0">
-            <a:noAutofit/>
-          </a:bodyPr>
-          <a:lstStyle/>
-          <a:p>
-            <a:pPr marL="0" lvl="0" indent="0" algn="l" rtl="0">
-              <a:spcBef>
-                <a:spcPts val="0"/>
-              </a:spcBef>
-              <a:spcAft>
-                <a:spcPts val="0"/>
-              </a:spcAft>
-              <a:buNone/>
-            </a:pPr>
-            <a:endParaRPr/>
-          </a:p>
-        </p:txBody>
-      </p:sp>
-    </p:spTree>
-    <p:extLst>
-      <p:ext uri="{BB962C8B-B14F-4D97-AF65-F5344CB8AC3E}">
-        <p14:creationId xmlns:p14="http://schemas.microsoft.com/office/powerpoint/2010/main" val="1375383017"/>
       </p:ext>
     </p:extLst>
   </p:cSld>
@@ -2636,7 +2637,7 @@
     </p:spTree>
     <p:extLst>
       <p:ext uri="{BB962C8B-B14F-4D97-AF65-F5344CB8AC3E}">
-        <p14:creationId xmlns:p14="http://schemas.microsoft.com/office/powerpoint/2010/main" val="4175007345"/>
+        <p14:creationId xmlns:p14="http://schemas.microsoft.com/office/powerpoint/2010/main" val="1375383017"/>
       </p:ext>
     </p:extLst>
   </p:cSld>
@@ -2745,6 +2746,115 @@
     </p:spTree>
     <p:extLst>
       <p:ext uri="{BB962C8B-B14F-4D97-AF65-F5344CB8AC3E}">
+        <p14:creationId xmlns:p14="http://schemas.microsoft.com/office/powerpoint/2010/main" val="4175007345"/>
+      </p:ext>
+    </p:extLst>
+  </p:cSld>
+  <p:clrMapOvr>
+    <a:masterClrMapping/>
+  </p:clrMapOvr>
+</p:notes>
+</file>
+
+<file path=ppt/notesSlides/notesSlide25.xml><?xml version="1.0" encoding="utf-8"?>
+<p:notes xmlns:a="http://schemas.openxmlformats.org/drawingml/2006/main" xmlns:r="http://schemas.openxmlformats.org/officeDocument/2006/relationships" xmlns:p="http://schemas.openxmlformats.org/presentationml/2006/main" showMasterSp="0" showMasterPhAnim="0">
+  <p:cSld>
+    <p:spTree>
+      <p:nvGrpSpPr>
+        <p:cNvPr id="1" name="Shape 280"/>
+        <p:cNvGrpSpPr/>
+        <p:nvPr/>
+      </p:nvGrpSpPr>
+      <p:grpSpPr>
+        <a:xfrm>
+          <a:off x="0" y="0"/>
+          <a:ext cx="0" cy="0"/>
+          <a:chOff x="0" y="0"/>
+          <a:chExt cx="0" cy="0"/>
+        </a:xfrm>
+      </p:grpSpPr>
+      <p:sp>
+        <p:nvSpPr>
+          <p:cNvPr id="281" name="Google Shape;281;gcc9050bdf8_0_241:notes"/>
+          <p:cNvSpPr>
+            <a:spLocks noGrp="1" noRot="1" noChangeAspect="1"/>
+          </p:cNvSpPr>
+          <p:nvPr>
+            <p:ph type="sldImg" idx="2"/>
+          </p:nvPr>
+        </p:nvSpPr>
+        <p:spPr>
+          <a:xfrm>
+            <a:off x="381000" y="685800"/>
+            <a:ext cx="6096000" cy="3429000"/>
+          </a:xfrm>
+          <a:custGeom>
+            <a:avLst/>
+            <a:gdLst/>
+            <a:ahLst/>
+            <a:cxnLst/>
+            <a:rect l="l" t="t" r="r" b="b"/>
+            <a:pathLst>
+              <a:path w="120000" h="120000" extrusionOk="0">
+                <a:moveTo>
+                  <a:pt x="0" y="0"/>
+                </a:moveTo>
+                <a:lnTo>
+                  <a:pt x="120000" y="0"/>
+                </a:lnTo>
+                <a:lnTo>
+                  <a:pt x="120000" y="120000"/>
+                </a:lnTo>
+                <a:lnTo>
+                  <a:pt x="0" y="120000"/>
+                </a:lnTo>
+                <a:close/>
+              </a:path>
+            </a:pathLst>
+          </a:custGeom>
+        </p:spPr>
+      </p:sp>
+      <p:sp>
+        <p:nvSpPr>
+          <p:cNvPr id="282" name="Google Shape;282;gcc9050bdf8_0_241:notes"/>
+          <p:cNvSpPr txBox="1">
+            <a:spLocks noGrp="1"/>
+          </p:cNvSpPr>
+          <p:nvPr>
+            <p:ph type="body" idx="1"/>
+          </p:nvPr>
+        </p:nvSpPr>
+        <p:spPr>
+          <a:xfrm>
+            <a:off x="685800" y="4343400"/>
+            <a:ext cx="5486400" cy="4114800"/>
+          </a:xfrm>
+          <a:prstGeom prst="rect">
+            <a:avLst/>
+          </a:prstGeom>
+        </p:spPr>
+        <p:txBody>
+          <a:bodyPr spcFirstLastPara="1" wrap="square" lIns="91425" tIns="91425" rIns="91425" bIns="91425" anchor="t" anchorCtr="0">
+            <a:noAutofit/>
+          </a:bodyPr>
+          <a:lstStyle/>
+          <a:p>
+            <a:pPr marL="0" lvl="0" indent="0" algn="l" rtl="0">
+              <a:spcBef>
+                <a:spcPts val="0"/>
+              </a:spcBef>
+              <a:spcAft>
+                <a:spcPts val="0"/>
+              </a:spcAft>
+              <a:buNone/>
+            </a:pPr>
+            <a:endParaRPr/>
+          </a:p>
+        </p:txBody>
+      </p:sp>
+    </p:spTree>
+    <p:extLst>
+      <p:ext uri="{BB962C8B-B14F-4D97-AF65-F5344CB8AC3E}">
         <p14:creationId xmlns:p14="http://schemas.microsoft.com/office/powerpoint/2010/main" val="4039082559"/>
       </p:ext>
     </p:extLst>
@@ -2755,7 +2865,7 @@
 </p:notes>
 </file>
 
-<file path=ppt/notesSlides/notesSlide25.xml><?xml version="1.0" encoding="utf-8"?>
+<file path=ppt/notesSlides/notesSlide26.xml><?xml version="1.0" encoding="utf-8"?>
 <p:notes xmlns:a="http://schemas.openxmlformats.org/drawingml/2006/main" xmlns:r="http://schemas.openxmlformats.org/officeDocument/2006/relationships" xmlns:p="http://schemas.openxmlformats.org/presentationml/2006/main" showMasterSp="0" showMasterPhAnim="0">
   <p:cSld>
     <p:spTree>
@@ -23442,6 +23552,728 @@
           <a:chExt cx="0" cy="0"/>
         </a:xfrm>
       </p:grpSpPr>
+      <p:grpSp>
+        <p:nvGrpSpPr>
+          <p:cNvPr id="18" name="Google Shape;208;p27"/>
+          <p:cNvGrpSpPr/>
+          <p:nvPr/>
+        </p:nvGrpSpPr>
+        <p:grpSpPr>
+          <a:xfrm>
+            <a:off x="772525" y="726625"/>
+            <a:ext cx="6578100" cy="3438300"/>
+            <a:chOff x="772525" y="726625"/>
+            <a:chExt cx="6578100" cy="3438300"/>
+          </a:xfrm>
+        </p:grpSpPr>
+        <p:sp>
+          <p:nvSpPr>
+            <p:cNvPr id="19" name="Google Shape;209;p27"/>
+            <p:cNvSpPr/>
+            <p:nvPr/>
+          </p:nvSpPr>
+          <p:spPr>
+            <a:xfrm>
+              <a:off x="772525" y="726625"/>
+              <a:ext cx="6578100" cy="3438300"/>
+            </a:xfrm>
+            <a:prstGeom prst="rect">
+              <a:avLst/>
+            </a:prstGeom>
+            <a:solidFill>
+              <a:schemeClr val="lt1"/>
+            </a:solidFill>
+            <a:ln w="9525" cap="flat" cmpd="sng">
+              <a:solidFill>
+                <a:schemeClr val="dk1"/>
+              </a:solidFill>
+              <a:prstDash val="solid"/>
+              <a:round/>
+              <a:headEnd type="none" w="sm" len="sm"/>
+              <a:tailEnd type="none" w="sm" len="sm"/>
+            </a:ln>
+          </p:spPr>
+          <p:txBody>
+            <a:bodyPr spcFirstLastPara="1" wrap="square" lIns="91425" tIns="91425" rIns="91425" bIns="91425" anchor="ctr" anchorCtr="0">
+              <a:noAutofit/>
+            </a:bodyPr>
+            <a:lstStyle/>
+            <a:p>
+              <a:pPr marL="0" lvl="0" indent="0" algn="l" rtl="0">
+                <a:spcBef>
+                  <a:spcPts val="0"/>
+                </a:spcBef>
+                <a:spcAft>
+                  <a:spcPts val="0"/>
+                </a:spcAft>
+                <a:buNone/>
+              </a:pPr>
+              <a:endParaRPr/>
+            </a:p>
+          </p:txBody>
+        </p:sp>
+        <p:sp>
+          <p:nvSpPr>
+            <p:cNvPr id="20" name="Google Shape;210;p27"/>
+            <p:cNvSpPr/>
+            <p:nvPr/>
+          </p:nvSpPr>
+          <p:spPr>
+            <a:xfrm>
+              <a:off x="772525" y="726625"/>
+              <a:ext cx="6578100" cy="255300"/>
+            </a:xfrm>
+            <a:prstGeom prst="rect">
+              <a:avLst/>
+            </a:prstGeom>
+            <a:solidFill>
+              <a:schemeClr val="lt1"/>
+            </a:solidFill>
+            <a:ln w="9525" cap="flat" cmpd="sng">
+              <a:solidFill>
+                <a:schemeClr val="dk1"/>
+              </a:solidFill>
+              <a:prstDash val="solid"/>
+              <a:round/>
+              <a:headEnd type="none" w="sm" len="sm"/>
+              <a:tailEnd type="none" w="sm" len="sm"/>
+            </a:ln>
+          </p:spPr>
+          <p:txBody>
+            <a:bodyPr spcFirstLastPara="1" wrap="square" lIns="91425" tIns="91425" rIns="91425" bIns="91425" anchor="ctr" anchorCtr="0">
+              <a:noAutofit/>
+            </a:bodyPr>
+            <a:lstStyle/>
+            <a:p>
+              <a:pPr marL="0" lvl="0" indent="0" algn="l" rtl="0">
+                <a:spcBef>
+                  <a:spcPts val="0"/>
+                </a:spcBef>
+                <a:spcAft>
+                  <a:spcPts val="0"/>
+                </a:spcAft>
+                <a:buNone/>
+              </a:pPr>
+              <a:endParaRPr/>
+            </a:p>
+          </p:txBody>
+        </p:sp>
+      </p:grpSp>
+      <p:grpSp>
+        <p:nvGrpSpPr>
+          <p:cNvPr id="21" name="Google Shape;214;p27"/>
+          <p:cNvGrpSpPr/>
+          <p:nvPr/>
+        </p:nvGrpSpPr>
+        <p:grpSpPr>
+          <a:xfrm>
+            <a:off x="6849418" y="1309976"/>
+            <a:ext cx="1864833" cy="1637043"/>
+            <a:chOff x="1054812" y="1029590"/>
+            <a:chExt cx="3436214" cy="3912627"/>
+          </a:xfrm>
+        </p:grpSpPr>
+        <p:sp>
+          <p:nvSpPr>
+            <p:cNvPr id="22" name="Google Shape;215;p27"/>
+            <p:cNvSpPr/>
+            <p:nvPr/>
+          </p:nvSpPr>
+          <p:spPr>
+            <a:xfrm>
+              <a:off x="1054812" y="1029617"/>
+              <a:ext cx="3436200" cy="3912600"/>
+            </a:xfrm>
+            <a:prstGeom prst="rect">
+              <a:avLst/>
+            </a:prstGeom>
+            <a:solidFill>
+              <a:schemeClr val="lt1"/>
+            </a:solidFill>
+            <a:ln w="9525" cap="flat" cmpd="sng">
+              <a:solidFill>
+                <a:schemeClr val="dk1"/>
+              </a:solidFill>
+              <a:prstDash val="solid"/>
+              <a:round/>
+              <a:headEnd type="none" w="sm" len="sm"/>
+              <a:tailEnd type="none" w="sm" len="sm"/>
+            </a:ln>
+          </p:spPr>
+          <p:txBody>
+            <a:bodyPr spcFirstLastPara="1" wrap="square" lIns="91425" tIns="91425" rIns="91425" bIns="91425" anchor="ctr" anchorCtr="0">
+              <a:noAutofit/>
+            </a:bodyPr>
+            <a:lstStyle/>
+            <a:p>
+              <a:pPr marL="0" lvl="0" indent="0" algn="l" rtl="0">
+                <a:spcBef>
+                  <a:spcPts val="0"/>
+                </a:spcBef>
+                <a:spcAft>
+                  <a:spcPts val="0"/>
+                </a:spcAft>
+                <a:buNone/>
+              </a:pPr>
+              <a:endParaRPr/>
+            </a:p>
+          </p:txBody>
+        </p:sp>
+        <p:sp>
+          <p:nvSpPr>
+            <p:cNvPr id="23" name="Google Shape;216;p27"/>
+            <p:cNvSpPr/>
+            <p:nvPr/>
+          </p:nvSpPr>
+          <p:spPr>
+            <a:xfrm>
+              <a:off x="1054825" y="1029590"/>
+              <a:ext cx="3436200" cy="610200"/>
+            </a:xfrm>
+            <a:prstGeom prst="rect">
+              <a:avLst/>
+            </a:prstGeom>
+            <a:solidFill>
+              <a:schemeClr val="lt1"/>
+            </a:solidFill>
+            <a:ln w="9525" cap="flat" cmpd="sng">
+              <a:solidFill>
+                <a:schemeClr val="dk1"/>
+              </a:solidFill>
+              <a:prstDash val="solid"/>
+              <a:round/>
+              <a:headEnd type="none" w="sm" len="sm"/>
+              <a:tailEnd type="none" w="sm" len="sm"/>
+            </a:ln>
+          </p:spPr>
+          <p:txBody>
+            <a:bodyPr spcFirstLastPara="1" wrap="square" lIns="91425" tIns="91425" rIns="91425" bIns="91425" anchor="ctr" anchorCtr="0">
+              <a:noAutofit/>
+            </a:bodyPr>
+            <a:lstStyle/>
+            <a:p>
+              <a:pPr marL="0" lvl="0" indent="0" algn="l" rtl="0">
+                <a:spcBef>
+                  <a:spcPts val="0"/>
+                </a:spcBef>
+                <a:spcAft>
+                  <a:spcPts val="0"/>
+                </a:spcAft>
+                <a:buNone/>
+              </a:pPr>
+              <a:endParaRPr/>
+            </a:p>
+          </p:txBody>
+        </p:sp>
+      </p:grpSp>
+      <p:sp>
+        <p:nvSpPr>
+          <p:cNvPr id="24" name="Google Shape;219;p27"/>
+          <p:cNvSpPr txBox="1"/>
+          <p:nvPr/>
+        </p:nvSpPr>
+        <p:spPr>
+          <a:xfrm>
+            <a:off x="6950816" y="1873600"/>
+            <a:ext cx="1636294" cy="746100"/>
+          </a:xfrm>
+          <a:prstGeom prst="rect">
+            <a:avLst/>
+          </a:prstGeom>
+          <a:noFill/>
+          <a:ln>
+            <a:noFill/>
+          </a:ln>
+        </p:spPr>
+        <p:txBody>
+          <a:bodyPr spcFirstLastPara="1" wrap="square" lIns="91425" tIns="91425" rIns="91425" bIns="91425" anchor="t" anchorCtr="0">
+            <a:noAutofit/>
+          </a:bodyPr>
+          <a:lstStyle/>
+          <a:p>
+            <a:pPr algn="ctr">
+              <a:lnSpc>
+                <a:spcPct val="90000"/>
+              </a:lnSpc>
+            </a:pPr>
+            <a:r>
+              <a:rPr lang="en" sz="3200" dirty="0">
+                <a:solidFill>
+                  <a:schemeClr val="accent1"/>
+                </a:solidFill>
+              </a:rPr>
+              <a:t>[</a:t>
+            </a:r>
+            <a:r>
+              <a:rPr lang="en" sz="3200" dirty="0">
+                <a:solidFill>
+                  <a:schemeClr val="accent2"/>
+                </a:solidFill>
+              </a:rPr>
+              <a:t>{}</a:t>
+            </a:r>
+            <a:r>
+              <a:rPr lang="en" sz="3200" dirty="0">
+                <a:solidFill>
+                  <a:schemeClr val="accent1"/>
+                </a:solidFill>
+              </a:rPr>
+              <a:t>]</a:t>
+            </a:r>
+          </a:p>
+          <a:p>
+            <a:pPr marL="0" lvl="0" indent="0" algn="ctr" rtl="0">
+              <a:lnSpc>
+                <a:spcPct val="90000"/>
+              </a:lnSpc>
+              <a:spcBef>
+                <a:spcPts val="0"/>
+              </a:spcBef>
+              <a:spcAft>
+                <a:spcPts val="0"/>
+              </a:spcAft>
+              <a:buNone/>
+            </a:pPr>
+            <a:endParaRPr sz="3600" dirty="0">
+              <a:solidFill>
+                <a:schemeClr val="accent1"/>
+              </a:solidFill>
+            </a:endParaRPr>
+          </a:p>
+        </p:txBody>
+      </p:sp>
+      <p:sp>
+        <p:nvSpPr>
+          <p:cNvPr id="32" name="Google Shape;220;p27"/>
+          <p:cNvSpPr txBox="1">
+            <a:spLocks/>
+          </p:cNvSpPr>
+          <p:nvPr/>
+        </p:nvSpPr>
+        <p:spPr>
+          <a:xfrm>
+            <a:off x="1560286" y="1955346"/>
+            <a:ext cx="4689259" cy="1114275"/>
+          </a:xfrm>
+          <a:prstGeom prst="rect">
+            <a:avLst/>
+          </a:prstGeom>
+          <a:noFill/>
+          <a:ln>
+            <a:noFill/>
+          </a:ln>
+        </p:spPr>
+        <p:txBody>
+          <a:bodyPr spcFirstLastPara="1" wrap="square" lIns="91425" tIns="91425" rIns="91425" bIns="91425" anchor="t" anchorCtr="0">
+            <a:noAutofit/>
+          </a:bodyPr>
+          <a:lstStyle>
+            <a:defPPr marR="0" lvl="0" algn="l" rtl="0">
+              <a:lnSpc>
+                <a:spcPct val="100000"/>
+              </a:lnSpc>
+              <a:spcBef>
+                <a:spcPts val="0"/>
+              </a:spcBef>
+              <a:spcAft>
+                <a:spcPts val="0"/>
+              </a:spcAft>
+            </a:defPPr>
+            <a:lvl1pPr marR="0" lvl="0" algn="l" rtl="0">
+              <a:lnSpc>
+                <a:spcPct val="100000"/>
+              </a:lnSpc>
+              <a:spcBef>
+                <a:spcPts val="0"/>
+              </a:spcBef>
+              <a:spcAft>
+                <a:spcPts val="0"/>
+              </a:spcAft>
+              <a:buClr>
+                <a:schemeClr val="dk1"/>
+              </a:buClr>
+              <a:buSzPts val="3300"/>
+              <a:buFont typeface="Quantico"/>
+              <a:buNone/>
+              <a:defRPr sz="3300" b="0" i="0" u="none" strike="noStrike" cap="none">
+                <a:solidFill>
+                  <a:schemeClr val="dk1"/>
+                </a:solidFill>
+                <a:latin typeface="Quantico"/>
+                <a:ea typeface="Quantico"/>
+                <a:cs typeface="Quantico"/>
+                <a:sym typeface="Quantico"/>
+              </a:defRPr>
+            </a:lvl1pPr>
+            <a:lvl2pPr marR="0" lvl="1" algn="l" rtl="0">
+              <a:lnSpc>
+                <a:spcPct val="100000"/>
+              </a:lnSpc>
+              <a:spcBef>
+                <a:spcPts val="0"/>
+              </a:spcBef>
+              <a:spcAft>
+                <a:spcPts val="0"/>
+              </a:spcAft>
+              <a:buClr>
+                <a:schemeClr val="dk1"/>
+              </a:buClr>
+              <a:buSzPts val="3300"/>
+              <a:buFont typeface="Quantico"/>
+              <a:buNone/>
+              <a:defRPr sz="3300" b="1" i="0" u="none" strike="noStrike" cap="none">
+                <a:solidFill>
+                  <a:schemeClr val="dk1"/>
+                </a:solidFill>
+                <a:latin typeface="Quantico"/>
+                <a:ea typeface="Quantico"/>
+                <a:cs typeface="Quantico"/>
+                <a:sym typeface="Quantico"/>
+              </a:defRPr>
+            </a:lvl2pPr>
+            <a:lvl3pPr marR="0" lvl="2" algn="l" rtl="0">
+              <a:lnSpc>
+                <a:spcPct val="100000"/>
+              </a:lnSpc>
+              <a:spcBef>
+                <a:spcPts val="0"/>
+              </a:spcBef>
+              <a:spcAft>
+                <a:spcPts val="0"/>
+              </a:spcAft>
+              <a:buClr>
+                <a:schemeClr val="dk1"/>
+              </a:buClr>
+              <a:buSzPts val="3300"/>
+              <a:buFont typeface="Quantico"/>
+              <a:buNone/>
+              <a:defRPr sz="3300" b="1" i="0" u="none" strike="noStrike" cap="none">
+                <a:solidFill>
+                  <a:schemeClr val="dk1"/>
+                </a:solidFill>
+                <a:latin typeface="Quantico"/>
+                <a:ea typeface="Quantico"/>
+                <a:cs typeface="Quantico"/>
+                <a:sym typeface="Quantico"/>
+              </a:defRPr>
+            </a:lvl3pPr>
+            <a:lvl4pPr marR="0" lvl="3" algn="l" rtl="0">
+              <a:lnSpc>
+                <a:spcPct val="100000"/>
+              </a:lnSpc>
+              <a:spcBef>
+                <a:spcPts val="0"/>
+              </a:spcBef>
+              <a:spcAft>
+                <a:spcPts val="0"/>
+              </a:spcAft>
+              <a:buClr>
+                <a:schemeClr val="dk1"/>
+              </a:buClr>
+              <a:buSzPts val="3300"/>
+              <a:buFont typeface="Quantico"/>
+              <a:buNone/>
+              <a:defRPr sz="3300" b="1" i="0" u="none" strike="noStrike" cap="none">
+                <a:solidFill>
+                  <a:schemeClr val="dk1"/>
+                </a:solidFill>
+                <a:latin typeface="Quantico"/>
+                <a:ea typeface="Quantico"/>
+                <a:cs typeface="Quantico"/>
+                <a:sym typeface="Quantico"/>
+              </a:defRPr>
+            </a:lvl4pPr>
+            <a:lvl5pPr marR="0" lvl="4" algn="l" rtl="0">
+              <a:lnSpc>
+                <a:spcPct val="100000"/>
+              </a:lnSpc>
+              <a:spcBef>
+                <a:spcPts val="0"/>
+              </a:spcBef>
+              <a:spcAft>
+                <a:spcPts val="0"/>
+              </a:spcAft>
+              <a:buClr>
+                <a:schemeClr val="dk1"/>
+              </a:buClr>
+              <a:buSzPts val="3300"/>
+              <a:buFont typeface="Quantico"/>
+              <a:buNone/>
+              <a:defRPr sz="3300" b="1" i="0" u="none" strike="noStrike" cap="none">
+                <a:solidFill>
+                  <a:schemeClr val="dk1"/>
+                </a:solidFill>
+                <a:latin typeface="Quantico"/>
+                <a:ea typeface="Quantico"/>
+                <a:cs typeface="Quantico"/>
+                <a:sym typeface="Quantico"/>
+              </a:defRPr>
+            </a:lvl5pPr>
+            <a:lvl6pPr marR="0" lvl="5" algn="l" rtl="0">
+              <a:lnSpc>
+                <a:spcPct val="100000"/>
+              </a:lnSpc>
+              <a:spcBef>
+                <a:spcPts val="0"/>
+              </a:spcBef>
+              <a:spcAft>
+                <a:spcPts val="0"/>
+              </a:spcAft>
+              <a:buClr>
+                <a:schemeClr val="dk1"/>
+              </a:buClr>
+              <a:buSzPts val="3300"/>
+              <a:buFont typeface="Quantico"/>
+              <a:buNone/>
+              <a:defRPr sz="3300" b="1" i="0" u="none" strike="noStrike" cap="none">
+                <a:solidFill>
+                  <a:schemeClr val="dk1"/>
+                </a:solidFill>
+                <a:latin typeface="Quantico"/>
+                <a:ea typeface="Quantico"/>
+                <a:cs typeface="Quantico"/>
+                <a:sym typeface="Quantico"/>
+              </a:defRPr>
+            </a:lvl6pPr>
+            <a:lvl7pPr marR="0" lvl="6" algn="l" rtl="0">
+              <a:lnSpc>
+                <a:spcPct val="100000"/>
+              </a:lnSpc>
+              <a:spcBef>
+                <a:spcPts val="0"/>
+              </a:spcBef>
+              <a:spcAft>
+                <a:spcPts val="0"/>
+              </a:spcAft>
+              <a:buClr>
+                <a:schemeClr val="dk1"/>
+              </a:buClr>
+              <a:buSzPts val="3300"/>
+              <a:buFont typeface="Quantico"/>
+              <a:buNone/>
+              <a:defRPr sz="3300" b="1" i="0" u="none" strike="noStrike" cap="none">
+                <a:solidFill>
+                  <a:schemeClr val="dk1"/>
+                </a:solidFill>
+                <a:latin typeface="Quantico"/>
+                <a:ea typeface="Quantico"/>
+                <a:cs typeface="Quantico"/>
+                <a:sym typeface="Quantico"/>
+              </a:defRPr>
+            </a:lvl7pPr>
+            <a:lvl8pPr marR="0" lvl="7" algn="l" rtl="0">
+              <a:lnSpc>
+                <a:spcPct val="100000"/>
+              </a:lnSpc>
+              <a:spcBef>
+                <a:spcPts val="0"/>
+              </a:spcBef>
+              <a:spcAft>
+                <a:spcPts val="0"/>
+              </a:spcAft>
+              <a:buClr>
+                <a:schemeClr val="dk1"/>
+              </a:buClr>
+              <a:buSzPts val="3300"/>
+              <a:buFont typeface="Quantico"/>
+              <a:buNone/>
+              <a:defRPr sz="3300" b="1" i="0" u="none" strike="noStrike" cap="none">
+                <a:solidFill>
+                  <a:schemeClr val="dk1"/>
+                </a:solidFill>
+                <a:latin typeface="Quantico"/>
+                <a:ea typeface="Quantico"/>
+                <a:cs typeface="Quantico"/>
+                <a:sym typeface="Quantico"/>
+              </a:defRPr>
+            </a:lvl8pPr>
+            <a:lvl9pPr marR="0" lvl="8" algn="l" rtl="0">
+              <a:lnSpc>
+                <a:spcPct val="100000"/>
+              </a:lnSpc>
+              <a:spcBef>
+                <a:spcPts val="0"/>
+              </a:spcBef>
+              <a:spcAft>
+                <a:spcPts val="0"/>
+              </a:spcAft>
+              <a:buClr>
+                <a:schemeClr val="dk1"/>
+              </a:buClr>
+              <a:buSzPts val="3300"/>
+              <a:buFont typeface="Quantico"/>
+              <a:buNone/>
+              <a:defRPr sz="3300" b="1" i="0" u="none" strike="noStrike" cap="none">
+                <a:solidFill>
+                  <a:schemeClr val="dk1"/>
+                </a:solidFill>
+                <a:latin typeface="Quantico"/>
+                <a:ea typeface="Quantico"/>
+                <a:cs typeface="Quantico"/>
+                <a:sym typeface="Quantico"/>
+              </a:defRPr>
+            </a:lvl9pPr>
+          </a:lstStyle>
+          <a:p>
+            <a:r>
+              <a:rPr lang="en-US" dirty="0" smtClean="0"/>
+              <a:t>Talk is cheap. Show me the code.</a:t>
+            </a:r>
+            <a:endParaRPr lang="en-US" dirty="0">
+              <a:solidFill>
+                <a:schemeClr val="accent2"/>
+              </a:solidFill>
+            </a:endParaRPr>
+          </a:p>
+        </p:txBody>
+      </p:sp>
+      <p:sp>
+        <p:nvSpPr>
+          <p:cNvPr id="34" name="Google Shape;217;p27"/>
+          <p:cNvSpPr txBox="1"/>
+          <p:nvPr/>
+        </p:nvSpPr>
+        <p:spPr>
+          <a:xfrm>
+            <a:off x="1069875" y="2009667"/>
+            <a:ext cx="702900" cy="606900"/>
+          </a:xfrm>
+          <a:prstGeom prst="rect">
+            <a:avLst/>
+          </a:prstGeom>
+          <a:noFill/>
+          <a:ln>
+            <a:noFill/>
+          </a:ln>
+        </p:spPr>
+        <p:txBody>
+          <a:bodyPr spcFirstLastPara="1" wrap="square" lIns="91425" tIns="91425" rIns="91425" bIns="91425" anchor="ctr" anchorCtr="0">
+            <a:noAutofit/>
+          </a:bodyPr>
+          <a:lstStyle/>
+          <a:p>
+            <a:pPr marL="0" lvl="0" indent="0" algn="l" rtl="0">
+              <a:lnSpc>
+                <a:spcPct val="90000"/>
+              </a:lnSpc>
+              <a:spcBef>
+                <a:spcPts val="0"/>
+              </a:spcBef>
+              <a:spcAft>
+                <a:spcPts val="0"/>
+              </a:spcAft>
+              <a:buNone/>
+            </a:pPr>
+            <a:r>
+              <a:rPr lang="en" sz="3600" dirty="0">
+                <a:solidFill>
+                  <a:schemeClr val="lt2"/>
+                </a:solidFill>
+                <a:latin typeface="Quantico"/>
+                <a:ea typeface="Quantico"/>
+                <a:cs typeface="Quantico"/>
+                <a:sym typeface="Quantico"/>
+              </a:rPr>
+              <a:t>&lt;</a:t>
+            </a:r>
+            <a:endParaRPr sz="3600" dirty="0">
+              <a:solidFill>
+                <a:schemeClr val="lt2"/>
+              </a:solidFill>
+            </a:endParaRPr>
+          </a:p>
+        </p:txBody>
+      </p:sp>
+      <p:sp>
+        <p:nvSpPr>
+          <p:cNvPr id="36" name="Google Shape;218;p27"/>
+          <p:cNvSpPr txBox="1"/>
+          <p:nvPr/>
+        </p:nvSpPr>
+        <p:spPr>
+          <a:xfrm>
+            <a:off x="3553465" y="2512483"/>
+            <a:ext cx="702900" cy="606900"/>
+          </a:xfrm>
+          <a:prstGeom prst="rect">
+            <a:avLst/>
+          </a:prstGeom>
+          <a:noFill/>
+          <a:ln>
+            <a:noFill/>
+          </a:ln>
+        </p:spPr>
+        <p:txBody>
+          <a:bodyPr spcFirstLastPara="1" wrap="square" lIns="91425" tIns="91425" rIns="91425" bIns="91425" anchor="ctr" anchorCtr="0">
+            <a:noAutofit/>
+          </a:bodyPr>
+          <a:lstStyle/>
+          <a:p>
+            <a:pPr>
+              <a:lnSpc>
+                <a:spcPct val="90000"/>
+              </a:lnSpc>
+            </a:pPr>
+            <a:r>
+              <a:rPr lang="en" sz="3600" dirty="0">
+                <a:solidFill>
+                  <a:schemeClr val="lt2"/>
+                </a:solidFill>
+                <a:latin typeface="Quantico"/>
+                <a:ea typeface="Quantico"/>
+                <a:cs typeface="Quantico"/>
+                <a:sym typeface="Quantico"/>
+              </a:rPr>
+              <a:t>/&gt;</a:t>
+            </a:r>
+            <a:endParaRPr sz="3600" dirty="0">
+              <a:solidFill>
+                <a:schemeClr val="lt2"/>
+              </a:solidFill>
+              <a:latin typeface="Quantico"/>
+              <a:ea typeface="Quantico"/>
+              <a:cs typeface="Quantico"/>
+            </a:endParaRPr>
+          </a:p>
+        </p:txBody>
+      </p:sp>
+    </p:spTree>
+    <p:extLst>
+      <p:ext uri="{BB962C8B-B14F-4D97-AF65-F5344CB8AC3E}">
+        <p14:creationId xmlns:p14="http://schemas.microsoft.com/office/powerpoint/2010/main" val="1920065272"/>
+      </p:ext>
+    </p:extLst>
+  </p:cSld>
+  <p:clrMapOvr>
+    <a:masterClrMapping/>
+  </p:clrMapOvr>
+  <p:timing>
+    <p:tnLst>
+      <p:par>
+        <p:cTn id="1" dur="indefinite" restart="never" nodeType="tmRoot"/>
+      </p:par>
+    </p:tnLst>
+  </p:timing>
+</p:sld>
+</file>
+
+<file path=ppt/slides/slide21.xml><?xml version="1.0" encoding="utf-8"?>
+<p:sld xmlns:a="http://schemas.openxmlformats.org/drawingml/2006/main" xmlns:r="http://schemas.openxmlformats.org/officeDocument/2006/relationships" xmlns:p="http://schemas.openxmlformats.org/presentationml/2006/main">
+  <p:cSld>
+    <p:spTree>
+      <p:nvGrpSpPr>
+        <p:cNvPr id="1" name="Shape 283"/>
+        <p:cNvGrpSpPr/>
+        <p:nvPr/>
+      </p:nvGrpSpPr>
+      <p:grpSpPr>
+        <a:xfrm>
+          <a:off x="0" y="0"/>
+          <a:ext cx="0" cy="0"/>
+          <a:chOff x="0" y="0"/>
+          <a:chExt cx="0" cy="0"/>
+        </a:xfrm>
+      </p:grpSpPr>
       <p:sp>
         <p:nvSpPr>
           <p:cNvPr id="285" name="Google Shape;285;p32"/>
@@ -23674,7 +24506,7 @@
 </p:sld>
 </file>
 
-<file path=ppt/slides/slide21.xml><?xml version="1.0" encoding="utf-8"?>
+<file path=ppt/slides/slide22.xml><?xml version="1.0" encoding="utf-8"?>
 <p:sld xmlns:a="http://schemas.openxmlformats.org/drawingml/2006/main" xmlns:r="http://schemas.openxmlformats.org/officeDocument/2006/relationships" xmlns:p="http://schemas.openxmlformats.org/presentationml/2006/main">
   <p:cSld>
     <p:spTree>
@@ -24074,7 +24906,7 @@
               <a:buNone/>
             </a:pPr>
             <a:r>
-              <a:rPr lang="en" sz="1200" dirty="0">
+              <a:rPr lang="en" sz="1200" dirty="0" smtClean="0">
                 <a:solidFill>
                   <a:schemeClr val="dk1"/>
                 </a:solidFill>
@@ -24083,7 +24915,19 @@
                 <a:cs typeface="Source Code Pro"/>
                 <a:sym typeface="Source Code Pro"/>
               </a:rPr>
-              <a:t>Prepara e efetua o início dos testes.</a:t>
+              <a:t>Efetua </a:t>
+            </a:r>
+            <a:r>
+              <a:rPr lang="en" sz="1200" dirty="0">
+                <a:solidFill>
+                  <a:schemeClr val="dk1"/>
+                </a:solidFill>
+                <a:latin typeface="Source Code Pro"/>
+                <a:ea typeface="Source Code Pro"/>
+                <a:cs typeface="Source Code Pro"/>
+                <a:sym typeface="Source Code Pro"/>
+              </a:rPr>
+              <a:t>o início dos testes.</a:t>
             </a:r>
             <a:endParaRPr sz="1200" dirty="0">
               <a:solidFill>
@@ -25536,7 +26380,7 @@
 </p:sld>
 </file>
 
-<file path=ppt/slides/slide22.xml><?xml version="1.0" encoding="utf-8"?>
+<file path=ppt/slides/slide23.xml><?xml version="1.0" encoding="utf-8"?>
 <p:sld xmlns:a="http://schemas.openxmlformats.org/drawingml/2006/main" xmlns:r="http://schemas.openxmlformats.org/officeDocument/2006/relationships" xmlns:p="http://schemas.openxmlformats.org/presentationml/2006/main">
   <p:cSld>
     <p:spTree>
@@ -26359,11 +27203,6 @@
               </a:rPr>
               <a:t>();</a:t>
             </a:r>
-            <a:endParaRPr lang="pt-BR" dirty="0" smtClean="0">
-              <a:solidFill>
-                <a:schemeClr val="tx1"/>
-              </a:solidFill>
-            </a:endParaRPr>
           </a:p>
           <a:p>
             <a:endParaRPr lang="pt-BR" dirty="0">
@@ -26545,15 +27384,7 @@
                   <a:schemeClr val="tx2"/>
                 </a:solidFill>
               </a:rPr>
-              <a:t>'https://santocodigo.com.br/login</a:t>
-            </a:r>
-            <a:r>
-              <a:rPr lang="en-US" dirty="0" smtClean="0">
-                <a:solidFill>
-                  <a:schemeClr val="tx2"/>
-                </a:solidFill>
-              </a:rPr>
-              <a:t>'</a:t>
+              <a:t>'https://santocodigo.com.br/login'</a:t>
             </a:r>
             <a:r>
               <a:rPr lang="en-US" dirty="0" smtClean="0">
@@ -26581,10 +27412,17 @@
   <p:clrMapOvr>
     <a:masterClrMapping/>
   </p:clrMapOvr>
+  <p:timing>
+    <p:tnLst>
+      <p:par>
+        <p:cTn id="1" dur="indefinite" restart="never" nodeType="tmRoot"/>
+      </p:par>
+    </p:tnLst>
+  </p:timing>
 </p:sld>
 </file>
 
-<file path=ppt/slides/slide23.xml><?xml version="1.0" encoding="utf-8"?>
+<file path=ppt/slides/slide24.xml><?xml version="1.0" encoding="utf-8"?>
 <p:sld xmlns:a="http://schemas.openxmlformats.org/drawingml/2006/main" xmlns:r="http://schemas.openxmlformats.org/officeDocument/2006/relationships" xmlns:p="http://schemas.openxmlformats.org/presentationml/2006/main">
   <p:cSld>
     <p:spTree>
@@ -26828,10 +27666,17 @@
   <p:clrMapOvr>
     <a:masterClrMapping/>
   </p:clrMapOvr>
+  <p:timing>
+    <p:tnLst>
+      <p:par>
+        <p:cTn id="1" dur="indefinite" restart="never" nodeType="tmRoot"/>
+      </p:par>
+    </p:tnLst>
+  </p:timing>
 </p:sld>
 </file>
 
-<file path=ppt/slides/slide24.xml><?xml version="1.0" encoding="utf-8"?>
+<file path=ppt/slides/slide25.xml><?xml version="1.0" encoding="utf-8"?>
 <p:sld xmlns:a="http://schemas.openxmlformats.org/drawingml/2006/main" xmlns:r="http://schemas.openxmlformats.org/officeDocument/2006/relationships" xmlns:p="http://schemas.openxmlformats.org/presentationml/2006/main">
   <p:cSld>
     <p:spTree>
@@ -27028,67 +27873,6 @@
           </a:p>
         </p:txBody>
       </p:sp>
-      <p:sp>
-        <p:nvSpPr>
-          <p:cNvPr id="290" name="Google Shape;290;p32"/>
-          <p:cNvSpPr txBox="1"/>
-          <p:nvPr/>
-        </p:nvSpPr>
-        <p:spPr>
-          <a:xfrm>
-            <a:off x="7471780" y="3996750"/>
-            <a:ext cx="1216800" cy="642000"/>
-          </a:xfrm>
-          <a:prstGeom prst="rect">
-            <a:avLst/>
-          </a:prstGeom>
-          <a:noFill/>
-          <a:ln>
-            <a:noFill/>
-          </a:ln>
-        </p:spPr>
-        <p:txBody>
-          <a:bodyPr spcFirstLastPara="1" wrap="square" lIns="91425" tIns="91425" rIns="91425" bIns="91425" anchor="t" anchorCtr="0">
-            <a:noAutofit/>
-          </a:bodyPr>
-          <a:lstStyle/>
-          <a:p>
-            <a:pPr marL="0" lvl="0" indent="0" algn="ctr" rtl="0">
-              <a:lnSpc>
-                <a:spcPct val="90000"/>
-              </a:lnSpc>
-              <a:spcBef>
-                <a:spcPts val="0"/>
-              </a:spcBef>
-              <a:spcAft>
-                <a:spcPts val="0"/>
-              </a:spcAft>
-              <a:buNone/>
-            </a:pPr>
-            <a:r>
-              <a:rPr lang="en" sz="3600" dirty="0">
-                <a:solidFill>
-                  <a:schemeClr val="accent2"/>
-                </a:solidFill>
-              </a:rPr>
-              <a:t>/&gt;</a:t>
-            </a:r>
-            <a:r>
-              <a:rPr lang="en" sz="3600" dirty="0">
-                <a:solidFill>
-                  <a:schemeClr val="dk1"/>
-                </a:solidFill>
-              </a:rPr>
-              <a:t> **</a:t>
-            </a:r>
-            <a:endParaRPr sz="3600" dirty="0">
-              <a:solidFill>
-                <a:schemeClr val="accent1"/>
-              </a:solidFill>
-            </a:endParaRPr>
-          </a:p>
-        </p:txBody>
-      </p:sp>
     </p:spTree>
     <p:extLst>
       <p:ext uri="{BB962C8B-B14F-4D97-AF65-F5344CB8AC3E}">
@@ -27099,10 +27883,17 @@
   <p:clrMapOvr>
     <a:masterClrMapping/>
   </p:clrMapOvr>
+  <p:timing>
+    <p:tnLst>
+      <p:par>
+        <p:cTn id="1" dur="indefinite" restart="never" nodeType="tmRoot"/>
+      </p:par>
+    </p:tnLst>
+  </p:timing>
 </p:sld>
 </file>
 
-<file path=ppt/slides/slide25.xml><?xml version="1.0" encoding="utf-8"?>
+<file path=ppt/slides/slide26.xml><?xml version="1.0" encoding="utf-8"?>
 <p:sld xmlns:a="http://schemas.openxmlformats.org/drawingml/2006/main" xmlns:r="http://schemas.openxmlformats.org/officeDocument/2006/relationships" xmlns:p="http://schemas.openxmlformats.org/presentationml/2006/main">
   <p:cSld>
     <p:spTree>
@@ -27845,7 +28636,7 @@
         </p:nvSpPr>
         <p:spPr>
           <a:xfrm>
-            <a:off x="2001253" y="2316481"/>
+            <a:off x="2001253" y="2295855"/>
             <a:ext cx="3294600" cy="353568"/>
           </a:xfrm>
           <a:prstGeom prst="rect">
@@ -28541,7 +29332,7 @@
         </p:nvGrpSpPr>
         <p:grpSpPr>
           <a:xfrm>
-            <a:off x="1710900" y="2364684"/>
+            <a:off x="1710900" y="2344058"/>
             <a:ext cx="226728" cy="242847"/>
             <a:chOff x="5170480" y="2934639"/>
             <a:chExt cx="261929" cy="280550"/>
@@ -30039,16 +30830,21 @@
             </a:pPr>
             <a:r>
               <a:rPr lang="en-US" sz="1200" dirty="0"/>
-              <a:t>https://santocodigo.com.br</a:t>
-            </a:r>
-          </a:p>
-          <a:p>
-            <a:pPr marL="0" indent="0">
-              <a:buSzPts val="1100"/>
-              <a:buFont typeface="Arial"/>
-              <a:buNone/>
-            </a:pPr>
-            <a:endParaRPr lang="en-US" sz="1200" dirty="0"/>
+              <a:t>https://github.com/</a:t>
+            </a:r>
+            <a:r>
+              <a:rPr lang="en-US" sz="1200" dirty="0">
+                <a:solidFill>
+                  <a:srgbClr val="FFE18B"/>
+                </a:solidFill>
+              </a:rPr>
+              <a:t>saintalex93</a:t>
+            </a:r>
+            <a:endParaRPr lang="en-US" sz="1200" dirty="0">
+              <a:solidFill>
+                <a:srgbClr val="FFE18B"/>
+              </a:solidFill>
+            </a:endParaRPr>
           </a:p>
         </p:txBody>
       </p:sp>
@@ -31166,6 +31962,13 @@
   <p:clrMapOvr>
     <a:masterClrMapping/>
   </p:clrMapOvr>
+  <p:timing>
+    <p:tnLst>
+      <p:par>
+        <p:cTn id="1" dur="indefinite" restart="never" nodeType="tmRoot"/>
+      </p:par>
+    </p:tnLst>
+  </p:timing>
 </p:sld>
 </file>
 
